--- a/ToegepasteAnalogeElektronica/PowerPoint/SmithKaartOefening4.pptx
+++ b/ToegepasteAnalogeElektronica/PowerPoint/SmithKaartOefening4.pptx
@@ -693,7 +693,7 @@
           <a:p>
             <a:fld id="{8F591CCF-F6FD-734B-854A-5BC033593B1E}" type="datetimeFigureOut">
               <a:rPr lang="nl-NL" smtClean="0"/>
-              <a:t>20-9-2025</a:t>
+              <a:t>21-9-2025</a:t>
             </a:fld>
             <a:endParaRPr lang="nl-NL"/>
           </a:p>
@@ -858,7 +858,7 @@
           <a:p>
             <a:fld id="{23C66214-DB21-4647-B5DA-0D17CA592867}" type="datetimeFigureOut">
               <a:rPr lang="nl-NL" smtClean="0"/>
-              <a:t>20-9-2025</a:t>
+              <a:t>21-9-2025</a:t>
             </a:fld>
             <a:endParaRPr lang="nl-NL"/>
           </a:p>
@@ -1469,7 +1469,7 @@
           <a:p>
             <a:fld id="{D15822B7-9EF6-9542-AF10-CD505E021A84}" type="datetime1">
               <a:rPr lang="nl-BE" smtClean="0"/>
-              <a:t>20/09/2025</a:t>
+              <a:t>21/09/2025</a:t>
             </a:fld>
             <a:endParaRPr lang="nl-NL"/>
           </a:p>
@@ -1719,7 +1719,7 @@
           <a:p>
             <a:fld id="{D15822B7-9EF6-9542-AF10-CD505E021A84}" type="datetime1">
               <a:rPr lang="nl-BE" smtClean="0"/>
-              <a:t>20/09/2025</a:t>
+              <a:t>21/09/2025</a:t>
             </a:fld>
             <a:endParaRPr lang="nl-NL"/>
           </a:p>
@@ -2002,7 +2002,7 @@
           <a:p>
             <a:fld id="{F52CA13D-CC20-034F-8D4D-5C3038626ED9}" type="datetime1">
               <a:rPr lang="nl-BE" smtClean="0"/>
-              <a:t>20/09/2025</a:t>
+              <a:t>21/09/2025</a:t>
             </a:fld>
             <a:endParaRPr lang="nl-NL"/>
           </a:p>
@@ -2282,8 +2282,8 @@
         </p:nvSpPr>
         <p:spPr>
           <a:xfrm>
-            <a:off x="576000" y="2232000"/>
-            <a:ext cx="11006400" cy="3820646"/>
+            <a:off x="576000" y="800401"/>
+            <a:ext cx="11006400" cy="5252245"/>
           </a:xfrm>
         </p:spPr>
         <p:txBody>
@@ -2354,7 +2354,7 @@
           <a:p>
             <a:fld id="{F52CA13D-CC20-034F-8D4D-5C3038626ED9}" type="datetime1">
               <a:rPr lang="nl-BE" smtClean="0"/>
-              <a:t>20/09/2025</a:t>
+              <a:t>21/09/2025</a:t>
             </a:fld>
             <a:endParaRPr lang="nl-NL"/>
           </a:p>
@@ -2472,7 +2472,7 @@
         </p:nvSpPr>
         <p:spPr>
           <a:xfrm>
-            <a:off x="576000" y="576001"/>
+            <a:off x="576000" y="4501"/>
             <a:ext cx="11041200" cy="648000"/>
           </a:xfrm>
         </p:spPr>
@@ -2532,8 +2532,8 @@
         </p:nvGrpSpPr>
         <p:grpSpPr>
           <a:xfrm>
-            <a:off x="125506" y="1312858"/>
-            <a:ext cx="11821095" cy="4739788"/>
+            <a:off x="125506" y="731855"/>
+            <a:ext cx="11821095" cy="5320791"/>
             <a:chOff x="0" y="-241102"/>
             <a:chExt cx="23088432" cy="12605757"/>
           </a:xfrm>
@@ -3478,8 +3478,8 @@
         </p:nvSpPr>
         <p:spPr>
           <a:xfrm>
-            <a:off x="245399" y="1810310"/>
-            <a:ext cx="11605942" cy="4175637"/>
+            <a:off x="245399" y="1280788"/>
+            <a:ext cx="11605942" cy="4705159"/>
           </a:xfrm>
           <a:noFill/>
         </p:spPr>
@@ -3587,7 +3587,7 @@
           <a:p>
             <a:fld id="{F52CA13D-CC20-034F-8D4D-5C3038626ED9}" type="datetime1">
               <a:rPr lang="nl-BE" smtClean="0"/>
-              <a:t>20/09/2025</a:t>
+              <a:t>21/09/2025</a:t>
             </a:fld>
             <a:endParaRPr lang="nl-NL"/>
           </a:p>
@@ -3705,7 +3705,7 @@
         </p:nvSpPr>
         <p:spPr>
           <a:xfrm>
-            <a:off x="576000" y="576000"/>
+            <a:off x="576000" y="4500"/>
             <a:ext cx="11041200" cy="579455"/>
           </a:xfrm>
         </p:spPr>
@@ -3808,7 +3808,7 @@
           <a:p>
             <a:fld id="{F52CA13D-CC20-034F-8D4D-5C3038626ED9}" type="datetime1">
               <a:rPr lang="nl-BE" smtClean="0"/>
-              <a:t>20/09/2025</a:t>
+              <a:t>21/09/2025</a:t>
             </a:fld>
             <a:endParaRPr lang="nl-NL"/>
           </a:p>
@@ -3926,7 +3926,7 @@
         </p:nvSpPr>
         <p:spPr>
           <a:xfrm>
-            <a:off x="576000" y="576001"/>
+            <a:off x="576000" y="4501"/>
             <a:ext cx="11041200" cy="648000"/>
           </a:xfrm>
         </p:spPr>
@@ -4019,8 +4019,8 @@
         </p:nvSpPr>
         <p:spPr>
           <a:xfrm>
-            <a:off x="576000" y="1688400"/>
-            <a:ext cx="11006400" cy="4364246"/>
+            <a:off x="576000" y="811831"/>
+            <a:ext cx="11006400" cy="5240815"/>
           </a:xfrm>
         </p:spPr>
         <p:txBody>
@@ -4099,7 +4099,7 @@
           <a:p>
             <a:fld id="{F52CA13D-CC20-034F-8D4D-5C3038626ED9}" type="datetime1">
               <a:rPr lang="nl-BE" smtClean="0"/>
-              <a:t>20/09/2025</a:t>
+              <a:t>21/09/2025</a:t>
             </a:fld>
             <a:endParaRPr lang="nl-NL"/>
           </a:p>
@@ -4217,7 +4217,7 @@
         </p:nvSpPr>
         <p:spPr>
           <a:xfrm>
-            <a:off x="576000" y="576000"/>
+            <a:off x="576000" y="15930"/>
             <a:ext cx="11041200" cy="648001"/>
           </a:xfrm>
         </p:spPr>
@@ -4226,10 +4226,10 @@
           <a:lstStyle/>
           <a:p>
             <a:r>
-              <a:rPr lang="en-US"/>
+              <a:rPr lang="en-US" dirty="0"/>
               <a:t>Click to edit Master title style</a:t>
             </a:r>
-            <a:endParaRPr lang="en-GB"/>
+            <a:endParaRPr lang="en-GB" dirty="0"/>
           </a:p>
         </p:txBody>
       </p:sp>
@@ -4281,8 +4281,8 @@
         </p:nvSpPr>
         <p:spPr>
           <a:xfrm>
-            <a:off x="576000" y="1531620"/>
-            <a:ext cx="11006400" cy="4521026"/>
+            <a:off x="576000" y="868680"/>
+            <a:ext cx="11006400" cy="5183966"/>
           </a:xfrm>
         </p:spPr>
         <p:txBody>
@@ -4353,7 +4353,7 @@
           <a:p>
             <a:fld id="{F52CA13D-CC20-034F-8D4D-5C3038626ED9}" type="datetime1">
               <a:rPr lang="nl-BE" smtClean="0"/>
-              <a:t>20/09/2025</a:t>
+              <a:t>21/09/2025</a:t>
             </a:fld>
             <a:endParaRPr lang="nl-NL"/>
           </a:p>
@@ -4471,7 +4471,7 @@
         </p:nvSpPr>
         <p:spPr>
           <a:xfrm>
-            <a:off x="576000" y="576001"/>
+            <a:off x="576000" y="15931"/>
             <a:ext cx="11041200" cy="650366"/>
           </a:xfrm>
         </p:spPr>
@@ -4566,7 +4566,7 @@
           <a:p>
             <a:fld id="{D15822B7-9EF6-9542-AF10-CD505E021A84}" type="datetime1">
               <a:rPr lang="nl-BE" smtClean="0"/>
-              <a:t>20/09/2025</a:t>
+              <a:t>21/09/2025</a:t>
             </a:fld>
             <a:endParaRPr lang="nl-NL"/>
           </a:p>
@@ -4632,8 +4632,8 @@
         </p:nvSpPr>
         <p:spPr>
           <a:xfrm>
-            <a:off x="576000" y="2232000"/>
-            <a:ext cx="11006402" cy="3820646"/>
+            <a:off x="576000" y="708660"/>
+            <a:ext cx="11006402" cy="5343986"/>
           </a:xfrm>
         </p:spPr>
         <p:txBody>
@@ -4694,7 +4694,7 @@
         </p:nvSpPr>
         <p:spPr>
           <a:xfrm>
-            <a:off x="576000" y="576001"/>
+            <a:off x="576000" y="15931"/>
             <a:ext cx="11041200" cy="578430"/>
           </a:xfrm>
         </p:spPr>
@@ -4703,10 +4703,10 @@
           <a:lstStyle/>
           <a:p>
             <a:r>
-              <a:rPr lang="en-US"/>
+              <a:rPr lang="en-US" dirty="0"/>
               <a:t>Click to edit Master title style</a:t>
             </a:r>
-            <a:endParaRPr lang="en-GB"/>
+            <a:endParaRPr lang="en-GB" dirty="0"/>
           </a:p>
         </p:txBody>
       </p:sp>
@@ -4757,7 +4757,7 @@
           <a:p>
             <a:fld id="{D15822B7-9EF6-9542-AF10-CD505E021A84}" type="datetime1">
               <a:rPr lang="nl-BE" smtClean="0"/>
-              <a:t>20/09/2025</a:t>
+              <a:t>21/09/2025</a:t>
             </a:fld>
             <a:endParaRPr lang="nl-NL"/>
           </a:p>
@@ -4823,8 +4823,8 @@
         </p:nvSpPr>
         <p:spPr>
           <a:xfrm>
-            <a:off x="576000" y="2232000"/>
-            <a:ext cx="11006402" cy="3820646"/>
+            <a:off x="576000" y="765810"/>
+            <a:ext cx="11006402" cy="5286836"/>
           </a:xfrm>
         </p:spPr>
         <p:txBody>
@@ -4885,7 +4885,7 @@
         </p:nvSpPr>
         <p:spPr>
           <a:xfrm>
-            <a:off x="576000" y="576001"/>
+            <a:off x="576000" y="0"/>
             <a:ext cx="11041200" cy="647010"/>
           </a:xfrm>
         </p:spPr>
@@ -5115,7 +5115,7 @@
           <a:p>
             <a:fld id="{0C33DDE8-63FF-C642-9F3A-0B773DD34821}" type="datetime1">
               <a:rPr lang="nl-BE" smtClean="0"/>
-              <a:t>20/09/2025</a:t>
+              <a:t>21/09/2025</a:t>
             </a:fld>
             <a:endParaRPr lang="nl-NL"/>
           </a:p>
@@ -7773,6 +7773,26 @@
 </file>
 
 <file path=customXml/item1.xml><?xml version="1.0" encoding="utf-8"?>
+<p:properties xmlns:p="http://schemas.microsoft.com/office/2006/metadata/properties" xmlns:xsi="http://www.w3.org/2001/XMLSchema-instance" xmlns:pc="http://schemas.microsoft.com/office/infopath/2007/PartnerControls">
+  <documentManagement>
+    <lcf76f155ced4ddcb4097134ff3c332f xmlns="81d41a3b-f33d-4db6-b532-757106a7a2ae">
+      <Terms xmlns="http://schemas.microsoft.com/office/infopath/2007/PartnerControls"/>
+    </lcf76f155ced4ddcb4097134ff3c332f>
+    <TaxCatchAll xmlns="bf25a9bf-a811-4965-9d0a-b88059080fed" xsi:nil="true"/>
+  </documentManagement>
+</p:properties>
+</file>
+
+<file path=customXml/item2.xml><?xml version="1.0" encoding="utf-8"?>
+<?mso-contentType ?>
+<FormTemplates xmlns="http://schemas.microsoft.com/sharepoint/v3/contenttype/forms">
+  <Display>DocumentLibraryForm</Display>
+  <Edit>DocumentLibraryForm</Edit>
+  <New>DocumentLibraryForm</New>
+</FormTemplates>
+</file>
+
+<file path=customXml/item3.xml><?xml version="1.0" encoding="utf-8"?>
 <ct:contentTypeSchema xmlns:ct="http://schemas.microsoft.com/office/2006/metadata/contentType" xmlns:ma="http://schemas.microsoft.com/office/2006/metadata/properties/metaAttributes" ct:_="" ma:_="" ma:contentTypeName="Document" ma:contentTypeID="0x010100B8C495A181F81B4C9DE5AD85CD0F70D4" ma:contentTypeVersion="18" ma:contentTypeDescription="Een nieuw document maken." ma:contentTypeScope="" ma:versionID="6ba28a59cba4a02a693681f32745d77b">
   <xsd:schema xmlns:xsd="http://www.w3.org/2001/XMLSchema" xmlns:xs="http://www.w3.org/2001/XMLSchema" xmlns:p="http://schemas.microsoft.com/office/2006/metadata/properties" xmlns:ns2="81d41a3b-f33d-4db6-b532-757106a7a2ae" xmlns:ns3="bf25a9bf-a811-4965-9d0a-b88059080fed" targetNamespace="http://schemas.microsoft.com/office/2006/metadata/properties" ma:root="true" ma:fieldsID="b996b4a4c0d83f5cfec71b22aba921d2" ns2:_="" ns3:_="">
     <xsd:import namespace="81d41a3b-f33d-4db6-b532-757106a7a2ae"/>
@@ -8027,27 +8047,32 @@
 </ct:contentTypeSchema>
 </file>
 
-<file path=customXml/item2.xml><?xml version="1.0" encoding="utf-8"?>
-<?mso-contentType ?>
-<FormTemplates xmlns="http://schemas.microsoft.com/sharepoint/v3/contenttype/forms">
-  <Display>DocumentLibraryForm</Display>
-  <Edit>DocumentLibraryForm</Edit>
-  <New>DocumentLibraryForm</New>
-</FormTemplates>
+<file path=customXml/itemProps1.xml><?xml version="1.0" encoding="utf-8"?>
+<ds:datastoreItem xmlns:ds="http://schemas.openxmlformats.org/officeDocument/2006/customXml" ds:itemID="{5EE9034D-0B43-4AB0-9535-9A62DB37A999}">
+  <ds:schemaRefs>
+    <ds:schemaRef ds:uri="http://www.w3.org/XML/1998/namespace"/>
+    <ds:schemaRef ds:uri="81d41a3b-f33d-4db6-b532-757106a7a2ae"/>
+    <ds:schemaRef ds:uri="http://purl.org/dc/dcmitype/"/>
+    <ds:schemaRef ds:uri="http://purl.org/dc/elements/1.1/"/>
+    <ds:schemaRef ds:uri="http://schemas.microsoft.com/office/2006/documentManagement/types"/>
+    <ds:schemaRef ds:uri="bf25a9bf-a811-4965-9d0a-b88059080fed"/>
+    <ds:schemaRef ds:uri="http://purl.org/dc/terms/"/>
+    <ds:schemaRef ds:uri="http://schemas.microsoft.com/office/infopath/2007/PartnerControls"/>
+    <ds:schemaRef ds:uri="http://schemas.openxmlformats.org/package/2006/metadata/core-properties"/>
+    <ds:schemaRef ds:uri="http://schemas.microsoft.com/office/2006/metadata/properties"/>
+  </ds:schemaRefs>
+</ds:datastoreItem>
 </file>
 
-<file path=customXml/item3.xml><?xml version="1.0" encoding="utf-8"?>
-<p:properties xmlns:p="http://schemas.microsoft.com/office/2006/metadata/properties" xmlns:xsi="http://www.w3.org/2001/XMLSchema-instance" xmlns:pc="http://schemas.microsoft.com/office/infopath/2007/PartnerControls">
-  <documentManagement>
-    <lcf76f155ced4ddcb4097134ff3c332f xmlns="81d41a3b-f33d-4db6-b532-757106a7a2ae">
-      <Terms xmlns="http://schemas.microsoft.com/office/infopath/2007/PartnerControls"/>
-    </lcf76f155ced4ddcb4097134ff3c332f>
-    <TaxCatchAll xmlns="bf25a9bf-a811-4965-9d0a-b88059080fed" xsi:nil="true"/>
-  </documentManagement>
-</p:properties>
+<file path=customXml/itemProps2.xml><?xml version="1.0" encoding="utf-8"?>
+<ds:datastoreItem xmlns:ds="http://schemas.openxmlformats.org/officeDocument/2006/customXml" ds:itemID="{263A7949-1B93-457F-8888-53CC8A016F77}">
+  <ds:schemaRefs>
+    <ds:schemaRef ds:uri="http://schemas.microsoft.com/sharepoint/v3/contenttype/forms"/>
+  </ds:schemaRefs>
+</ds:datastoreItem>
 </file>
 
-<file path=customXml/itemProps1.xml><?xml version="1.0" encoding="utf-8"?>
+<file path=customXml/itemProps3.xml><?xml version="1.0" encoding="utf-8"?>
 <ds:datastoreItem xmlns:ds="http://schemas.openxmlformats.org/officeDocument/2006/customXml" ds:itemID="{2A270F01-48F1-4A41-8E26-ACAC66896963}">
   <ds:schemaRefs>
     <ds:schemaRef ds:uri="http://schemas.microsoft.com/office/2006/metadata/contentType"/>
@@ -8064,29 +8089,4 @@
     <ds:schemaRef ds:uri="http://schemas.microsoft.com/internal/obd"/>
   </ds:schemaRefs>
 </ds:datastoreItem>
-</file>
-
-<file path=customXml/itemProps2.xml><?xml version="1.0" encoding="utf-8"?>
-<ds:datastoreItem xmlns:ds="http://schemas.openxmlformats.org/officeDocument/2006/customXml" ds:itemID="{263A7949-1B93-457F-8888-53CC8A016F77}">
-  <ds:schemaRefs>
-    <ds:schemaRef ds:uri="http://schemas.microsoft.com/sharepoint/v3/contenttype/forms"/>
-  </ds:schemaRefs>
-</ds:datastoreItem>
-</file>
-
-<file path=customXml/itemProps3.xml><?xml version="1.0" encoding="utf-8"?>
-<ds:datastoreItem xmlns:ds="http://schemas.openxmlformats.org/officeDocument/2006/customXml" ds:itemID="{5EE9034D-0B43-4AB0-9535-9A62DB37A999}">
-  <ds:schemaRefs>
-    <ds:schemaRef ds:uri="http://www.w3.org/XML/1998/namespace"/>
-    <ds:schemaRef ds:uri="81d41a3b-f33d-4db6-b532-757106a7a2ae"/>
-    <ds:schemaRef ds:uri="http://purl.org/dc/dcmitype/"/>
-    <ds:schemaRef ds:uri="http://purl.org/dc/elements/1.1/"/>
-    <ds:schemaRef ds:uri="http://schemas.microsoft.com/office/2006/documentManagement/types"/>
-    <ds:schemaRef ds:uri="bf25a9bf-a811-4965-9d0a-b88059080fed"/>
-    <ds:schemaRef ds:uri="http://purl.org/dc/terms/"/>
-    <ds:schemaRef ds:uri="http://schemas.microsoft.com/office/infopath/2007/PartnerControls"/>
-    <ds:schemaRef ds:uri="http://schemas.openxmlformats.org/package/2006/metadata/core-properties"/>
-    <ds:schemaRef ds:uri="http://schemas.microsoft.com/office/2006/metadata/properties"/>
-  </ds:schemaRefs>
-</ds:datastoreItem>
 </file>
--- a/ToegepasteAnalogeElektronica/PowerPoint/SmithKaartOefening4.pptx
+++ b/ToegepasteAnalogeElektronica/PowerPoint/SmithKaartOefening4.pptx
@@ -6361,6 +6361,27 @@
           <a:bodyPr/>
           <a:lstStyle/>
           <a:p/>
+          <a:p>
+            <a:pPr/>
+            <a:r>
+              <a:t>## Opgave</a:t>
+            </a:r>
+          </a:p>
+          <a:p>
+            <a:pPr/>
+          </a:p>
+          <a:p>
+            <a:pPr/>
+            <a:r>
+              <a:t>\lambda</a:t>
+            </a:r>
+            <a:r>
+              <a:t>\epsilon_r</a:t>
+            </a:r>
+            <a:r>
+              <a:t>=4)? Welke verschillende oplossingen zijn er mogelijk?</a:t>
+            </a:r>
+          </a:p>
         </p:txBody>
       </p:sp>
       <p:sp>
@@ -6378,61 +6399,6 @@
           <a:bodyPr/>
           <a:lstStyle/>
           <a:p/>
-        </p:txBody>
-      </p:sp>
-      <p:sp>
-        <p:nvSpPr>
-          <p:cNvPr id="4" name="TextBox 3"/>
-          <p:cNvSpPr txBox="1"/>
-          <p:nvPr/>
-        </p:nvSpPr>
-        <p:spPr>
-          <a:xfrm>
-            <a:off x="914400" y="2084831"/>
-            <a:ext cx="9144000" cy="1828800"/>
-          </a:xfrm>
-          <a:prstGeom prst="rect">
-            <a:avLst/>
-          </a:prstGeom>
-          <a:noFill/>
-        </p:spPr>
-        <p:txBody>
-          <a:bodyPr wrap="square">
-            <a:noAutofit/>
-          </a:bodyPr>
-          <a:lstStyle/>
-          <a:p>
-            <a:r>
-              <a:rPr sz="3000" b="0" i="0">
-                <a:latin typeface="Calibri"/>
-              </a:rPr>
-              <a:t>## Opgave</a:t>
-            </a:r>
-            <a:endParaRPr sz="3000" b="0" i="0">
-              <a:latin typeface="Calibri"/>
-            </a:endParaRPr>
-          </a:p>
-          <a:p>
-            <a:endParaRPr sz="3000" b="0" i="0">
-              <a:latin typeface="Calibri"/>
-            </a:endParaRPr>
-          </a:p>
-          <a:p>
-            <a:r>
-              <a:rPr sz="3000" b="0" i="0">
-                <a:latin typeface="Calibri"/>
-              </a:rPr>
-              <a:t>Gebruik je Smith kaart om een antenne van 150 Ohm aan te passen aan een coax van 50 Ohm voor een frequentie van 600 MHz ($\lambda$= 25 cm; $\epsilon_r$=4)? Welke verschillende oplossingen zijn er mogelijk?</a:t>
-            </a:r>
-            <a:endParaRPr sz="3000" b="0" i="0">
-              <a:latin typeface="Calibri"/>
-            </a:endParaRPr>
-          </a:p>
-          <a:p>
-            <a:endParaRPr sz="3000" b="0" i="0">
-              <a:latin typeface="Calibri"/>
-            </a:endParaRPr>
-          </a:p>
         </p:txBody>
       </p:sp>
     </p:spTree>
@@ -6628,6 +6594,24 @@
           <a:bodyPr/>
           <a:lstStyle/>
           <a:p/>
+          <a:p>
+            <a:pPr/>
+            <a:r>
+              <a:t>### Oplossing 2: Bijplaatsen van een inductantie in serie</a:t>
+            </a:r>
+          </a:p>
+          <a:p>
+            <a:pPr/>
+          </a:p>
+          <a:p>
+            <a:pPr/>
+            <a:r>
+              <a:t>\frac{Z_L}{Z_0}=3</a:t>
+            </a:r>
+            <a:r>
+              <a:t> op de Smith kaart en we zoeken waar we de r=1 cirkel snijden in het onderste deel van de kaart.</a:t>
+            </a:r>
+          </a:p>
         </p:txBody>
       </p:sp>
       <p:sp>
@@ -6645,56 +6629,6 @@
           <a:bodyPr/>
           <a:lstStyle/>
           <a:p/>
-        </p:txBody>
-      </p:sp>
-      <p:sp>
-        <p:nvSpPr>
-          <p:cNvPr id="4" name="TextBox 3"/>
-          <p:cNvSpPr txBox="1"/>
-          <p:nvPr/>
-        </p:nvSpPr>
-        <p:spPr>
-          <a:xfrm>
-            <a:off x="914400" y="2084831"/>
-            <a:ext cx="9144000" cy="1828800"/>
-          </a:xfrm>
-          <a:prstGeom prst="rect">
-            <a:avLst/>
-          </a:prstGeom>
-          <a:noFill/>
-        </p:spPr>
-        <p:txBody>
-          <a:bodyPr wrap="square">
-            <a:noAutofit/>
-          </a:bodyPr>
-          <a:lstStyle/>
-          <a:p>
-            <a:r>
-              <a:rPr sz="3000" b="0" i="0">
-                <a:latin typeface="Calibri"/>
-              </a:rPr>
-              <a:t>### Oplossing 2: Bijplaatsen van een inductantie in serie</a:t>
-            </a:r>
-            <a:endParaRPr sz="3000" b="0" i="0">
-              <a:latin typeface="Calibri"/>
-            </a:endParaRPr>
-          </a:p>
-          <a:p>
-            <a:endParaRPr sz="3000" b="0" i="0">
-              <a:latin typeface="Calibri"/>
-            </a:endParaRPr>
-          </a:p>
-          <a:p>
-            <a:r>
-              <a:rPr sz="3000" b="0" i="0">
-                <a:latin typeface="Calibri"/>
-              </a:rPr>
-              <a:t>We plaatsen $\frac{Z_L}{Z_0}=3$ op de Smith kaart en we zoeken waar we de r=1 cirkel snijden in het onderste deel van de kaart.</a:t>
-            </a:r>
-            <a:endParaRPr sz="3000" b="0" i="0">
-              <a:latin typeface="Calibri"/>
-            </a:endParaRPr>
-          </a:p>
         </p:txBody>
       </p:sp>
     </p:spTree>

--- a/ToegepasteAnalogeElektronica/PowerPoint/SmithKaartOefening4.pptx
+++ b/ToegepasteAnalogeElektronica/PowerPoint/SmithKaartOefening4.pptx
@@ -5734,8 +5734,8 @@
         </p:blipFill>
         <p:spPr>
           <a:xfrm>
-            <a:off x="118178" y="1179576"/>
-            <a:ext cx="11955643" cy="5029200"/>
+            <a:off x="0" y="566928"/>
+            <a:ext cx="12192000" cy="5577840"/>
           </a:xfrm>
           <a:prstGeom prst="rect">
             <a:avLst/>
@@ -5805,8 +5805,8 @@
         </p:blipFill>
         <p:spPr>
           <a:xfrm>
-            <a:off x="3581400" y="1179576"/>
-            <a:ext cx="5029200" cy="5029200"/>
+            <a:off x="3307080" y="566928"/>
+            <a:ext cx="5577840" cy="5577840"/>
           </a:xfrm>
           <a:prstGeom prst="rect">
             <a:avLst/>
@@ -5876,8 +5876,8 @@
         </p:blipFill>
         <p:spPr>
           <a:xfrm>
-            <a:off x="923481" y="1179576"/>
-            <a:ext cx="10345038" cy="5029200"/>
+            <a:off x="359206" y="566928"/>
+            <a:ext cx="11473588" cy="5577840"/>
           </a:xfrm>
           <a:prstGeom prst="rect">
             <a:avLst/>
@@ -5947,8 +5947,8 @@
         </p:blipFill>
         <p:spPr>
           <a:xfrm>
-            <a:off x="3581400" y="1179576"/>
-            <a:ext cx="5029200" cy="5029200"/>
+            <a:off x="3307080" y="566928"/>
+            <a:ext cx="5577840" cy="5577840"/>
           </a:xfrm>
           <a:prstGeom prst="rect">
             <a:avLst/>
@@ -6018,8 +6018,8 @@
         </p:blipFill>
         <p:spPr>
           <a:xfrm>
-            <a:off x="923481" y="1179576"/>
-            <a:ext cx="10345038" cy="5029200"/>
+            <a:off x="359206" y="566928"/>
+            <a:ext cx="11473588" cy="5577840"/>
           </a:xfrm>
           <a:prstGeom prst="rect">
             <a:avLst/>
@@ -6089,8 +6089,8 @@
         </p:blipFill>
         <p:spPr>
           <a:xfrm>
-            <a:off x="3581400" y="1179576"/>
-            <a:ext cx="5029200" cy="5029200"/>
+            <a:off x="3307080" y="566928"/>
+            <a:ext cx="5577840" cy="5577840"/>
           </a:xfrm>
           <a:prstGeom prst="rect">
             <a:avLst/>
@@ -6160,8 +6160,8 @@
         </p:blipFill>
         <p:spPr>
           <a:xfrm>
-            <a:off x="923481" y="1179576"/>
-            <a:ext cx="10345038" cy="5029200"/>
+            <a:off x="359206" y="566928"/>
+            <a:ext cx="11473588" cy="5577840"/>
           </a:xfrm>
           <a:prstGeom prst="rect">
             <a:avLst/>
@@ -6231,8 +6231,8 @@
         </p:blipFill>
         <p:spPr>
           <a:xfrm>
-            <a:off x="3581400" y="1179576"/>
-            <a:ext cx="5029200" cy="5029200"/>
+            <a:off x="3307080" y="566928"/>
+            <a:ext cx="5577840" cy="5577840"/>
           </a:xfrm>
           <a:prstGeom prst="rect">
             <a:avLst/>
@@ -6302,8 +6302,8 @@
         </p:blipFill>
         <p:spPr>
           <a:xfrm>
-            <a:off x="923481" y="1179576"/>
-            <a:ext cx="10345038" cy="5029200"/>
+            <a:off x="359206" y="566928"/>
+            <a:ext cx="11473588" cy="5577840"/>
           </a:xfrm>
           <a:prstGeom prst="rect">
             <a:avLst/>
@@ -6373,7 +6373,13 @@
           <a:p>
             <a:pPr/>
             <a:r>
+              <a:t>Gebruik je Smith kaart om een antenne van 150 Ohm aan te passen aan een coax van 50 Ohm voor een frequentie van 600 MHz (</a:t>
+            </a:r>
+            <a:r>
               <a:t>\lambda</a:t>
+            </a:r>
+            <a:r>
+              <a:t>= 25 cm; </a:t>
             </a:r>
             <a:r>
               <a:t>\epsilon_r</a:t>
@@ -6482,8 +6488,8 @@
         </p:blipFill>
         <p:spPr>
           <a:xfrm>
-            <a:off x="3581400" y="1179576"/>
-            <a:ext cx="5029200" cy="5029200"/>
+            <a:off x="3307080" y="566928"/>
+            <a:ext cx="5577840" cy="5577840"/>
           </a:xfrm>
           <a:prstGeom prst="rect">
             <a:avLst/>
@@ -6553,8 +6559,8 @@
         </p:blipFill>
         <p:spPr>
           <a:xfrm>
-            <a:off x="0" y="1179576"/>
-            <a:ext cx="12192000" cy="5029200"/>
+            <a:off x="0" y="566928"/>
+            <a:ext cx="12192000" cy="5577840"/>
           </a:xfrm>
           <a:prstGeom prst="rect">
             <a:avLst/>
@@ -6606,6 +6612,9 @@
           <a:p>
             <a:pPr/>
             <a:r>
+              <a:t>We plaatsen </a:t>
+            </a:r>
+            <a:r>
               <a:t>\frac{Z_L}{Z_0}=3</a:t>
             </a:r>
             <a:r>
@@ -6694,8 +6703,8 @@
         </p:blipFill>
         <p:spPr>
           <a:xfrm>
-            <a:off x="3581400" y="1179576"/>
-            <a:ext cx="5029200" cy="5029200"/>
+            <a:off x="3307080" y="566928"/>
+            <a:ext cx="5577840" cy="5577840"/>
           </a:xfrm>
           <a:prstGeom prst="rect">
             <a:avLst/>
@@ -6765,8 +6774,8 @@
         </p:blipFill>
         <p:spPr>
           <a:xfrm>
-            <a:off x="0" y="1179576"/>
-            <a:ext cx="12192000" cy="5029200"/>
+            <a:off x="0" y="566928"/>
+            <a:ext cx="12192000" cy="5577840"/>
           </a:xfrm>
           <a:prstGeom prst="rect">
             <a:avLst/>
@@ -6836,8 +6845,8 @@
         </p:blipFill>
         <p:spPr>
           <a:xfrm>
-            <a:off x="3581400" y="1179576"/>
-            <a:ext cx="5029200" cy="5029200"/>
+            <a:off x="3307080" y="566928"/>
+            <a:ext cx="5577840" cy="5577840"/>
           </a:xfrm>
           <a:prstGeom prst="rect">
             <a:avLst/>
@@ -6907,8 +6916,8 @@
         </p:blipFill>
         <p:spPr>
           <a:xfrm>
-            <a:off x="3581400" y="1179576"/>
-            <a:ext cx="5029200" cy="5029200"/>
+            <a:off x="3307080" y="566928"/>
+            <a:ext cx="5577840" cy="5577840"/>
           </a:xfrm>
           <a:prstGeom prst="rect">
             <a:avLst/>

--- a/ToegepasteAnalogeElektronica/PowerPoint/SmithKaartOefening4.pptx
+++ b/ToegepasteAnalogeElektronica/PowerPoint/SmithKaartOefening4.pptx
@@ -1,6 +1,6 @@
 
 <file path=ppt/presentation.xml><?xml version="1.0" encoding="utf-8"?>
-<p:presentation xmlns:a="http://schemas.openxmlformats.org/drawingml/2006/main" xmlns:r="http://schemas.openxmlformats.org/officeDocument/2006/relationships" xmlns:p="http://schemas.openxmlformats.org/presentationml/2006/main" saveSubsetFonts="1" autoCompressPictures="0">
+<p:presentation xmlns:a="http://schemas.openxmlformats.org/drawingml/2006/main" xmlns:r="http://schemas.openxmlformats.org/officeDocument/2006/relationships" xmlns:p="http://schemas.openxmlformats.org/presentationml/2006/main" showSpecialPlsOnTitleSld="0" saveSubsetFonts="1" autoCompressPictures="0">
   <p:sldMasterIdLst>
     <p:sldMasterId id="2147483648" r:id="rId4"/>
   </p:sldMasterIdLst>
@@ -693,7 +693,7 @@
           <a:p>
             <a:fld id="{8F591CCF-F6FD-734B-854A-5BC033593B1E}" type="datetimeFigureOut">
               <a:rPr lang="nl-NL" smtClean="0"/>
-              <a:t>21-9-2025</a:t>
+              <a:t>28-9-2025</a:t>
             </a:fld>
             <a:endParaRPr lang="nl-NL"/>
           </a:p>
@@ -858,7 +858,7 @@
           <a:p>
             <a:fld id="{23C66214-DB21-4647-B5DA-0D17CA592867}" type="datetimeFigureOut">
               <a:rPr lang="nl-NL" smtClean="0"/>
-              <a:t>21-9-2025</a:t>
+              <a:t>28-9-2025</a:t>
             </a:fld>
             <a:endParaRPr lang="nl-NL"/>
           </a:p>
@@ -1467,9 +1467,9 @@
           <a:bodyPr/>
           <a:lstStyle/>
           <a:p>
-            <a:fld id="{D15822B7-9EF6-9542-AF10-CD505E021A84}" type="datetime1">
+            <a:fld id="{39E7E716-59E8-42BC-97BF-DDA9E59ADEE7}" type="datetime1">
               <a:rPr lang="nl-BE" smtClean="0"/>
-              <a:t>21/09/2025</a:t>
+              <a:t>28/09/2025</a:t>
             </a:fld>
             <a:endParaRPr lang="nl-NL"/>
           </a:p>
@@ -1501,7 +1501,7 @@
           <a:bodyPr/>
           <a:lstStyle/>
           <a:p>
-            <a:endParaRPr lang="nl-NL"/>
+            <a:endParaRPr lang="nl-NL" dirty="0"/>
           </a:p>
         </p:txBody>
       </p:sp>
@@ -1717,9 +1717,9 @@
           <a:bodyPr/>
           <a:lstStyle/>
           <a:p>
-            <a:fld id="{D15822B7-9EF6-9542-AF10-CD505E021A84}" type="datetime1">
+            <a:fld id="{68285E84-F3E9-4DE0-AF5C-DC32311C51B6}" type="datetime1">
               <a:rPr lang="nl-BE" smtClean="0"/>
-              <a:t>21/09/2025</a:t>
+              <a:t>28/09/2025</a:t>
             </a:fld>
             <a:endParaRPr lang="nl-NL"/>
           </a:p>
@@ -2000,9 +2000,9 @@
           <a:bodyPr/>
           <a:lstStyle/>
           <a:p>
-            <a:fld id="{F52CA13D-CC20-034F-8D4D-5C3038626ED9}" type="datetime1">
+            <a:fld id="{86D712DB-13D1-48DF-8D74-EA2A0D6A1295}" type="datetime1">
               <a:rPr lang="nl-BE" smtClean="0"/>
-              <a:t>21/09/2025</a:t>
+              <a:t>28/09/2025</a:t>
             </a:fld>
             <a:endParaRPr lang="nl-NL"/>
           </a:p>
@@ -2352,9 +2352,9 @@
           <a:bodyPr/>
           <a:lstStyle/>
           <a:p>
-            <a:fld id="{F52CA13D-CC20-034F-8D4D-5C3038626ED9}" type="datetime1">
+            <a:fld id="{EE55F63B-E5C2-47C9-B767-96A09BC63624}" type="datetime1">
               <a:rPr lang="nl-BE" smtClean="0"/>
-              <a:t>21/09/2025</a:t>
+              <a:t>28/09/2025</a:t>
             </a:fld>
             <a:endParaRPr lang="nl-NL"/>
           </a:p>
@@ -3585,9 +3585,9 @@
           <a:bodyPr/>
           <a:lstStyle/>
           <a:p>
-            <a:fld id="{F52CA13D-CC20-034F-8D4D-5C3038626ED9}" type="datetime1">
+            <a:fld id="{0445AAF3-F212-43BB-932B-DD1A31841819}" type="datetime1">
               <a:rPr lang="nl-BE" smtClean="0"/>
-              <a:t>21/09/2025</a:t>
+              <a:t>28/09/2025</a:t>
             </a:fld>
             <a:endParaRPr lang="nl-NL"/>
           </a:p>
@@ -3806,9 +3806,9 @@
           <a:bodyPr/>
           <a:lstStyle/>
           <a:p>
-            <a:fld id="{F52CA13D-CC20-034F-8D4D-5C3038626ED9}" type="datetime1">
+            <a:fld id="{215EBCC0-C3A3-417F-962F-876AE60FF46F}" type="datetime1">
               <a:rPr lang="nl-BE" smtClean="0"/>
-              <a:t>21/09/2025</a:t>
+              <a:t>28/09/2025</a:t>
             </a:fld>
             <a:endParaRPr lang="nl-NL"/>
           </a:p>
@@ -4097,9 +4097,9 @@
           <a:bodyPr/>
           <a:lstStyle/>
           <a:p>
-            <a:fld id="{F52CA13D-CC20-034F-8D4D-5C3038626ED9}" type="datetime1">
+            <a:fld id="{5087A35E-C6EC-4A6C-A286-9B263B20AC20}" type="datetime1">
               <a:rPr lang="nl-BE" smtClean="0"/>
-              <a:t>21/09/2025</a:t>
+              <a:t>28/09/2025</a:t>
             </a:fld>
             <a:endParaRPr lang="nl-NL"/>
           </a:p>
@@ -4351,9 +4351,9 @@
           <a:bodyPr/>
           <a:lstStyle/>
           <a:p>
-            <a:fld id="{F52CA13D-CC20-034F-8D4D-5C3038626ED9}" type="datetime1">
+            <a:fld id="{4B9B00E3-DE57-4EA4-A886-8AA88F9577D7}" type="datetime1">
               <a:rPr lang="nl-BE" smtClean="0"/>
-              <a:t>21/09/2025</a:t>
+              <a:t>28/09/2025</a:t>
             </a:fld>
             <a:endParaRPr lang="nl-NL"/>
           </a:p>
@@ -4564,9 +4564,9 @@
           <a:bodyPr/>
           <a:lstStyle/>
           <a:p>
-            <a:fld id="{D15822B7-9EF6-9542-AF10-CD505E021A84}" type="datetime1">
+            <a:fld id="{1631A466-BC4F-407D-A3EA-76F6655478F0}" type="datetime1">
               <a:rPr lang="nl-BE" smtClean="0"/>
-              <a:t>21/09/2025</a:t>
+              <a:t>28/09/2025</a:t>
             </a:fld>
             <a:endParaRPr lang="nl-NL"/>
           </a:p>
@@ -4755,9 +4755,9 @@
           <a:bodyPr/>
           <a:lstStyle/>
           <a:p>
-            <a:fld id="{D15822B7-9EF6-9542-AF10-CD505E021A84}" type="datetime1">
+            <a:fld id="{7CF5F32B-E94B-420F-86D9-59A9E32E05E1}" type="datetime1">
               <a:rPr lang="nl-BE" smtClean="0"/>
-              <a:t>21/09/2025</a:t>
+              <a:t>28/09/2025</a:t>
             </a:fld>
             <a:endParaRPr lang="nl-NL"/>
           </a:p>
@@ -5113,9 +5113,9 @@
             </a:lvl1pPr>
           </a:lstStyle>
           <a:p>
-            <a:fld id="{0C33DDE8-63FF-C642-9F3A-0B773DD34821}" type="datetime1">
+            <a:fld id="{341CC9F9-C2CE-4031-804C-1F2576E1A82A}" type="datetime1">
               <a:rPr lang="nl-BE" smtClean="0"/>
-              <a:t>21/09/2025</a:t>
+              <a:t>28/09/2025</a:t>
             </a:fld>
             <a:endParaRPr lang="nl-NL"/>
           </a:p>
@@ -5251,7 +5251,7 @@
     <p:sldLayoutId id="2147483670" r:id="rId12"/>
     <p:sldLayoutId id="2147483651" r:id="rId13"/>
   </p:sldLayoutIdLst>
-  <p:hf hdr="0" ftr="0" dt="0"/>
+  <p:hf hdr="0" dt="0"/>
   <p:txStyles>
     <p:titleStyle>
       <a:lvl1pPr algn="l" defTabSz="914400" rtl="0" eaLnBrk="1" latinLnBrk="0" hangingPunct="1">
@@ -7716,26 +7716,6 @@
 </file>
 
 <file path=customXml/item1.xml><?xml version="1.0" encoding="utf-8"?>
-<p:properties xmlns:p="http://schemas.microsoft.com/office/2006/metadata/properties" xmlns:xsi="http://www.w3.org/2001/XMLSchema-instance" xmlns:pc="http://schemas.microsoft.com/office/infopath/2007/PartnerControls">
-  <documentManagement>
-    <lcf76f155ced4ddcb4097134ff3c332f xmlns="81d41a3b-f33d-4db6-b532-757106a7a2ae">
-      <Terms xmlns="http://schemas.microsoft.com/office/infopath/2007/PartnerControls"/>
-    </lcf76f155ced4ddcb4097134ff3c332f>
-    <TaxCatchAll xmlns="bf25a9bf-a811-4965-9d0a-b88059080fed" xsi:nil="true"/>
-  </documentManagement>
-</p:properties>
-</file>
-
-<file path=customXml/item2.xml><?xml version="1.0" encoding="utf-8"?>
-<?mso-contentType ?>
-<FormTemplates xmlns="http://schemas.microsoft.com/sharepoint/v3/contenttype/forms">
-  <Display>DocumentLibraryForm</Display>
-  <Edit>DocumentLibraryForm</Edit>
-  <New>DocumentLibraryForm</New>
-</FormTemplates>
-</file>
-
-<file path=customXml/item3.xml><?xml version="1.0" encoding="utf-8"?>
 <ct:contentTypeSchema xmlns:ct="http://schemas.microsoft.com/office/2006/metadata/contentType" xmlns:ma="http://schemas.microsoft.com/office/2006/metadata/properties/metaAttributes" ct:_="" ma:_="" ma:contentTypeName="Document" ma:contentTypeID="0x010100B8C495A181F81B4C9DE5AD85CD0F70D4" ma:contentTypeVersion="18" ma:contentTypeDescription="Een nieuw document maken." ma:contentTypeScope="" ma:versionID="6ba28a59cba4a02a693681f32745d77b">
   <xsd:schema xmlns:xsd="http://www.w3.org/2001/XMLSchema" xmlns:xs="http://www.w3.org/2001/XMLSchema" xmlns:p="http://schemas.microsoft.com/office/2006/metadata/properties" xmlns:ns2="81d41a3b-f33d-4db6-b532-757106a7a2ae" xmlns:ns3="bf25a9bf-a811-4965-9d0a-b88059080fed" targetNamespace="http://schemas.microsoft.com/office/2006/metadata/properties" ma:root="true" ma:fieldsID="b996b4a4c0d83f5cfec71b22aba921d2" ns2:_="" ns3:_="">
     <xsd:import namespace="81d41a3b-f33d-4db6-b532-757106a7a2ae"/>
@@ -7990,32 +7970,27 @@
 </ct:contentTypeSchema>
 </file>
 
-<file path=customXml/itemProps1.xml><?xml version="1.0" encoding="utf-8"?>
-<ds:datastoreItem xmlns:ds="http://schemas.openxmlformats.org/officeDocument/2006/customXml" ds:itemID="{5EE9034D-0B43-4AB0-9535-9A62DB37A999}">
-  <ds:schemaRefs>
-    <ds:schemaRef ds:uri="http://www.w3.org/XML/1998/namespace"/>
-    <ds:schemaRef ds:uri="81d41a3b-f33d-4db6-b532-757106a7a2ae"/>
-    <ds:schemaRef ds:uri="http://purl.org/dc/dcmitype/"/>
-    <ds:schemaRef ds:uri="http://purl.org/dc/elements/1.1/"/>
-    <ds:schemaRef ds:uri="http://schemas.microsoft.com/office/2006/documentManagement/types"/>
-    <ds:schemaRef ds:uri="bf25a9bf-a811-4965-9d0a-b88059080fed"/>
-    <ds:schemaRef ds:uri="http://purl.org/dc/terms/"/>
-    <ds:schemaRef ds:uri="http://schemas.microsoft.com/office/infopath/2007/PartnerControls"/>
-    <ds:schemaRef ds:uri="http://schemas.openxmlformats.org/package/2006/metadata/core-properties"/>
-    <ds:schemaRef ds:uri="http://schemas.microsoft.com/office/2006/metadata/properties"/>
-  </ds:schemaRefs>
-</ds:datastoreItem>
+<file path=customXml/item2.xml><?xml version="1.0" encoding="utf-8"?>
+<?mso-contentType ?>
+<FormTemplates xmlns="http://schemas.microsoft.com/sharepoint/v3/contenttype/forms">
+  <Display>DocumentLibraryForm</Display>
+  <Edit>DocumentLibraryForm</Edit>
+  <New>DocumentLibraryForm</New>
+</FormTemplates>
 </file>
 
-<file path=customXml/itemProps2.xml><?xml version="1.0" encoding="utf-8"?>
-<ds:datastoreItem xmlns:ds="http://schemas.openxmlformats.org/officeDocument/2006/customXml" ds:itemID="{263A7949-1B93-457F-8888-53CC8A016F77}">
-  <ds:schemaRefs>
-    <ds:schemaRef ds:uri="http://schemas.microsoft.com/sharepoint/v3/contenttype/forms"/>
-  </ds:schemaRefs>
-</ds:datastoreItem>
+<file path=customXml/item3.xml><?xml version="1.0" encoding="utf-8"?>
+<p:properties xmlns:p="http://schemas.microsoft.com/office/2006/metadata/properties" xmlns:xsi="http://www.w3.org/2001/XMLSchema-instance" xmlns:pc="http://schemas.microsoft.com/office/infopath/2007/PartnerControls">
+  <documentManagement>
+    <lcf76f155ced4ddcb4097134ff3c332f xmlns="81d41a3b-f33d-4db6-b532-757106a7a2ae">
+      <Terms xmlns="http://schemas.microsoft.com/office/infopath/2007/PartnerControls"/>
+    </lcf76f155ced4ddcb4097134ff3c332f>
+    <TaxCatchAll xmlns="bf25a9bf-a811-4965-9d0a-b88059080fed" xsi:nil="true"/>
+  </documentManagement>
+</p:properties>
 </file>
 
-<file path=customXml/itemProps3.xml><?xml version="1.0" encoding="utf-8"?>
+<file path=customXml/itemProps1.xml><?xml version="1.0" encoding="utf-8"?>
 <ds:datastoreItem xmlns:ds="http://schemas.openxmlformats.org/officeDocument/2006/customXml" ds:itemID="{2A270F01-48F1-4A41-8E26-ACAC66896963}">
   <ds:schemaRefs>
     <ds:schemaRef ds:uri="http://schemas.microsoft.com/office/2006/metadata/contentType"/>
@@ -8032,4 +8007,29 @@
     <ds:schemaRef ds:uri="http://schemas.microsoft.com/internal/obd"/>
   </ds:schemaRefs>
 </ds:datastoreItem>
+</file>
+
+<file path=customXml/itemProps2.xml><?xml version="1.0" encoding="utf-8"?>
+<ds:datastoreItem xmlns:ds="http://schemas.openxmlformats.org/officeDocument/2006/customXml" ds:itemID="{263A7949-1B93-457F-8888-53CC8A016F77}">
+  <ds:schemaRefs>
+    <ds:schemaRef ds:uri="http://schemas.microsoft.com/sharepoint/v3/contenttype/forms"/>
+  </ds:schemaRefs>
+</ds:datastoreItem>
+</file>
+
+<file path=customXml/itemProps3.xml><?xml version="1.0" encoding="utf-8"?>
+<ds:datastoreItem xmlns:ds="http://schemas.openxmlformats.org/officeDocument/2006/customXml" ds:itemID="{5EE9034D-0B43-4AB0-9535-9A62DB37A999}">
+  <ds:schemaRefs>
+    <ds:schemaRef ds:uri="http://www.w3.org/XML/1998/namespace"/>
+    <ds:schemaRef ds:uri="81d41a3b-f33d-4db6-b532-757106a7a2ae"/>
+    <ds:schemaRef ds:uri="http://purl.org/dc/dcmitype/"/>
+    <ds:schemaRef ds:uri="http://purl.org/dc/elements/1.1/"/>
+    <ds:schemaRef ds:uri="http://schemas.microsoft.com/office/2006/documentManagement/types"/>
+    <ds:schemaRef ds:uri="bf25a9bf-a811-4965-9d0a-b88059080fed"/>
+    <ds:schemaRef ds:uri="http://purl.org/dc/terms/"/>
+    <ds:schemaRef ds:uri="http://schemas.microsoft.com/office/infopath/2007/PartnerControls"/>
+    <ds:schemaRef ds:uri="http://schemas.openxmlformats.org/package/2006/metadata/core-properties"/>
+    <ds:schemaRef ds:uri="http://schemas.microsoft.com/office/2006/metadata/properties"/>
+  </ds:schemaRefs>
+</ds:datastoreItem>
 </file>
--- a/ToegepasteAnalogeElektronica/PowerPoint/SmithKaartOefening4.pptx
+++ b/ToegepasteAnalogeElektronica/PowerPoint/SmithKaartOefening4.pptx
@@ -6376,13 +6376,13 @@
               <a:t>Gebruik je Smith kaart om een antenne van 150 Ohm aan te passen aan een coax van 50 Ohm voor een frequentie van 600 MHz (</a:t>
             </a:r>
             <a:r>
-              <a:t>\lambda</a:t>
+              <a:t>λ</a:t>
             </a:r>
             <a:r>
               <a:t>= 25 cm; </a:t>
             </a:r>
             <a:r>
-              <a:t>\epsilon_r</a:t>
+              <a:t>ε_r</a:t>
             </a:r>
             <a:r>
               <a:t>=4)? Welke verschillende oplossingen zijn er mogelijk?</a:t>
@@ -6615,7 +6615,7 @@
               <a:t>We plaatsen </a:t>
             </a:r>
             <a:r>
-              <a:t>\frac{Z_L}{Z_0}=3</a:t>
+              <a:t>\frac{Z_L}{Z₀}=3</a:t>
             </a:r>
             <a:r>
               <a:t> op de Smith kaart en we zoeken waar we de r=1 cirkel snijden in het onderste deel van de kaart.</a:t>

--- a/ToegepasteAnalogeElektronica/PowerPoint/SmithKaartOefening4.pptx
+++ b/ToegepasteAnalogeElektronica/PowerPoint/SmithKaartOefening4.pptx
@@ -31,6 +31,18 @@
     <p:sldId id="273" r:id="rId30"/>
     <p:sldId id="274" r:id="rId31"/>
     <p:sldId id="275" r:id="rId32"/>
+    <p:sldId id="276" r:id="rId33"/>
+    <p:sldId id="277" r:id="rId34"/>
+    <p:sldId id="278" r:id="rId35"/>
+    <p:sldId id="279" r:id="rId36"/>
+    <p:sldId id="280" r:id="rId37"/>
+    <p:sldId id="281" r:id="rId38"/>
+    <p:sldId id="282" r:id="rId39"/>
+    <p:sldId id="283" r:id="rId40"/>
+    <p:sldId id="284" r:id="rId41"/>
+    <p:sldId id="285" r:id="rId42"/>
+    <p:sldId id="286" r:id="rId43"/>
+    <p:sldId id="287" r:id="rId44"/>
   </p:sldIdLst>
   <p:sldSz cx="12192000" cy="6858000"/>
   <p:notesSz cx="6858000" cy="9144000"/>
@@ -5710,7 +5722,7 @@
               <a:rPr sz="3200" b="1" i="0">
                 <a:latin typeface="Arial"/>
               </a:rPr>
-              <a:t>Circuit van de vierde oplossing</a:t>
+              <a:t>Smith kaart van de derde oplossing</a:t>
             </a:r>
             <a:endParaRPr sz="3200" b="1" i="0">
               <a:latin typeface="Arial"/>
@@ -5734,8 +5746,8 @@
         </p:blipFill>
         <p:spPr>
           <a:xfrm>
-            <a:off x="0" y="566928"/>
-            <a:ext cx="12192000" cy="5577840"/>
+            <a:off x="3261360" y="566928"/>
+            <a:ext cx="5669280" cy="5669280"/>
           </a:xfrm>
           <a:prstGeom prst="rect">
             <a:avLst/>
@@ -5781,7 +5793,7 @@
               <a:rPr sz="3200" b="1" i="0">
                 <a:latin typeface="Arial"/>
               </a:rPr>
-              <a:t>Smith kaart van de vijfde oplossing</a:t>
+              <a:t>Smith kaart van de derde oplossing als admitantie</a:t>
             </a:r>
             <a:endParaRPr sz="3200" b="1" i="0">
               <a:latin typeface="Arial"/>
@@ -5805,8 +5817,8 @@
         </p:blipFill>
         <p:spPr>
           <a:xfrm>
-            <a:off x="3307080" y="566928"/>
-            <a:ext cx="5577840" cy="5577840"/>
+            <a:off x="3261360" y="566928"/>
+            <a:ext cx="5669280" cy="5669280"/>
           </a:xfrm>
           <a:prstGeom prst="rect">
             <a:avLst/>
@@ -5833,12 +5845,12 @@
       <p:grpSpPr/>
       <p:sp>
         <p:nvSpPr>
-          <p:cNvPr id="2" name="Title 1"/>
-          <p:cNvSpPr>
-            <a:spLocks noGrp="1"/>
-          </p:cNvSpPr>
-          <p:nvPr>
-            <p:ph type="title"/>
+          <p:cNvPr id="2" name="Content Placeholder 1"/>
+          <p:cNvSpPr>
+            <a:spLocks noGrp="1"/>
+          </p:cNvSpPr>
+          <p:nvPr>
+            <p:ph idx="1"/>
           </p:nvPr>
         </p:nvSpPr>
         <p:spPr/>
@@ -5848,42 +5860,186 @@
           </a:bodyPr>
           <a:lstStyle/>
           <a:p>
-            <a:r>
-              <a:rPr sz="3200" b="1" i="0">
-                <a:latin typeface="Arial"/>
+            <a:pPr>
+              <a:lnSpc>
+                <a:spcPts val="2400"/>
+              </a:lnSpc>
+              <a:defRPr>
+                <a:solidFill>
+                  <a:srgbClr val="000000"/>
+                </a:solidFill>
+              </a:defRPr>
+            </a:pPr>
+            <a:r>
+              <a:rPr sz="2400" b="0" i="0">
+                <a:latin typeface="Courier"/>
               </a:rPr>
-              <a:t>Circuit van de vijfde oplossing</a:t>
-            </a:r>
-            <a:endParaRPr sz="3200" b="1" i="0">
-              <a:latin typeface="Arial"/>
+              <a:t>hoek    admitantie (Siemens)     lengte coax (cm)</a:t>
+            </a:r>
+            <a:endParaRPr sz="2400" b="0" i="0">
+              <a:latin typeface="Courier"/>
             </a:endParaRPr>
           </a:p>
-        </p:txBody>
-      </p:sp>
-      <p:pic>
-        <p:nvPicPr>
-          <p:cNvPr id="3" name="Picture 2" descr="image.png"/>
-          <p:cNvPicPr>
-            <a:picLocks noChangeAspect="1"/>
-          </p:cNvPicPr>
-          <p:nvPr/>
-        </p:nvPicPr>
-        <p:blipFill>
-          <a:blip r:embed="rId2"/>
-          <a:stretch>
-            <a:fillRect/>
-          </a:stretch>
-        </p:blipFill>
-        <p:spPr>
-          <a:xfrm>
-            <a:off x="359206" y="566928"/>
-            <a:ext cx="11473588" cy="5577840"/>
-          </a:xfrm>
-          <a:prstGeom prst="rect">
-            <a:avLst/>
-          </a:prstGeom>
-        </p:spPr>
-      </p:pic>
+          <a:p>
+            <a:pPr>
+              <a:lnSpc>
+                <a:spcPts val="2400"/>
+              </a:lnSpc>
+              <a:defRPr>
+                <a:solidFill>
+                  <a:srgbClr val="000000"/>
+                </a:solidFill>
+              </a:defRPr>
+            </a:pPr>
+            <a:r>
+              <a:rPr sz="2400" b="0" i="0">
+                <a:latin typeface="Courier"/>
+              </a:rPr>
+              <a:t> 237    Y= 21.27-23.78j mS     lengte=8.23 cm</a:t>
+            </a:r>
+            <a:endParaRPr sz="2400" b="0" i="0">
+              <a:latin typeface="Courier"/>
+            </a:endParaRPr>
+          </a:p>
+          <a:p>
+            <a:pPr>
+              <a:lnSpc>
+                <a:spcPts val="2400"/>
+              </a:lnSpc>
+              <a:defRPr>
+                <a:solidFill>
+                  <a:srgbClr val="000000"/>
+                </a:solidFill>
+              </a:defRPr>
+            </a:pPr>
+            <a:r>
+              <a:rPr sz="2400" b="0" i="0">
+                <a:latin typeface="Courier"/>
+              </a:rPr>
+              <a:t> 238    Y= 20.83-23.55j mS     lengte=8.26 cm</a:t>
+            </a:r>
+            <a:endParaRPr sz="2400" b="0" i="0">
+              <a:latin typeface="Courier"/>
+            </a:endParaRPr>
+          </a:p>
+          <a:p>
+            <a:pPr>
+              <a:lnSpc>
+                <a:spcPts val="2400"/>
+              </a:lnSpc>
+              <a:defRPr>
+                <a:solidFill>
+                  <a:srgbClr val="000000"/>
+                </a:solidFill>
+              </a:defRPr>
+            </a:pPr>
+            <a:r>
+              <a:rPr sz="2400" b="0" i="0">
+                <a:latin typeface="Courier"/>
+              </a:rPr>
+              <a:t> 239    Y= 20.41-23.33j mS     lengte=8.30 cm</a:t>
+            </a:r>
+            <a:endParaRPr sz="2400" b="0" i="0">
+              <a:latin typeface="Courier"/>
+            </a:endParaRPr>
+          </a:p>
+          <a:p>
+            <a:pPr>
+              <a:lnSpc>
+                <a:spcPts val="2400"/>
+              </a:lnSpc>
+              <a:defRPr>
+                <a:solidFill>
+                  <a:srgbClr val="000000"/>
+                </a:solidFill>
+              </a:defRPr>
+            </a:pPr>
+            <a:r>
+              <a:rPr sz="2400" b="0" i="0">
+                <a:latin typeface="Courier"/>
+              </a:rPr>
+              <a:t> 240    Y= 20.00-23.09j mS     lengte=8.33 cm</a:t>
+            </a:r>
+            <a:endParaRPr sz="2400" b="0" i="0">
+              <a:latin typeface="Courier"/>
+            </a:endParaRPr>
+          </a:p>
+          <a:p>
+            <a:pPr>
+              <a:lnSpc>
+                <a:spcPts val="2400"/>
+              </a:lnSpc>
+              <a:defRPr>
+                <a:solidFill>
+                  <a:srgbClr val="000000"/>
+                </a:solidFill>
+              </a:defRPr>
+            </a:pPr>
+            <a:r>
+              <a:rPr sz="2400" b="0" i="0">
+                <a:latin typeface="Courier"/>
+              </a:rPr>
+              <a:t> 241    Y= 19.60-22.86j mS     lengte=8.37 cm</a:t>
+            </a:r>
+            <a:endParaRPr sz="2400" b="0" i="0">
+              <a:latin typeface="Courier"/>
+            </a:endParaRPr>
+          </a:p>
+          <a:p>
+            <a:pPr>
+              <a:lnSpc>
+                <a:spcPts val="2400"/>
+              </a:lnSpc>
+              <a:defRPr>
+                <a:solidFill>
+                  <a:srgbClr val="000000"/>
+                </a:solidFill>
+              </a:defRPr>
+            </a:pPr>
+            <a:r>
+              <a:rPr sz="2400" b="0" i="0">
+                <a:latin typeface="Courier"/>
+              </a:rPr>
+              <a:t> 242    Y= 19.22-22.62j mS     lengte=8.40 cm</a:t>
+            </a:r>
+            <a:endParaRPr sz="2400" b="0" i="0">
+              <a:latin typeface="Courier"/>
+            </a:endParaRPr>
+          </a:p>
+          <a:p>
+            <a:pPr>
+              <a:lnSpc>
+                <a:spcPts val="2400"/>
+              </a:lnSpc>
+              <a:defRPr>
+                <a:solidFill>
+                  <a:srgbClr val="000000"/>
+                </a:solidFill>
+              </a:defRPr>
+            </a:pPr>
+            <a:endParaRPr sz="2400" b="0" i="0">
+              <a:latin typeface="Courier"/>
+            </a:endParaRPr>
+          </a:p>
+        </p:txBody>
+      </p:sp>
+      <p:sp>
+        <p:nvSpPr>
+          <p:cNvPr id="3" name="Title 2"/>
+          <p:cNvSpPr>
+            <a:spLocks noGrp="1"/>
+          </p:cNvSpPr>
+          <p:nvPr>
+            <p:ph type="title"/>
+          </p:nvPr>
+        </p:nvSpPr>
+        <p:spPr/>
+        <p:txBody>
+          <a:bodyPr/>
+          <a:lstStyle/>
+          <a:p/>
+        </p:txBody>
+      </p:sp>
     </p:spTree>
   </p:cSld>
   <p:clrMapOvr>
@@ -5904,12 +6060,12 @@
       <p:grpSpPr/>
       <p:sp>
         <p:nvSpPr>
-          <p:cNvPr id="2" name="Title 1"/>
-          <p:cNvSpPr>
-            <a:spLocks noGrp="1"/>
-          </p:cNvSpPr>
-          <p:nvPr>
-            <p:ph type="title"/>
+          <p:cNvPr id="2" name="Content Placeholder 1"/>
+          <p:cNvSpPr>
+            <a:spLocks noGrp="1"/>
+          </p:cNvSpPr>
+          <p:nvPr>
+            <p:ph idx="1"/>
           </p:nvPr>
         </p:nvSpPr>
         <p:spPr/>
@@ -5919,42 +6075,144 @@
           </a:bodyPr>
           <a:lstStyle/>
           <a:p>
-            <a:r>
-              <a:rPr sz="3200" b="1" i="0">
-                <a:latin typeface="Arial"/>
+            <a:pPr>
+              <a:lnSpc>
+                <a:spcPts val="2400"/>
+              </a:lnSpc>
+              <a:defRPr>
+                <a:solidFill>
+                  <a:srgbClr val="000000"/>
+                </a:solidFill>
+              </a:defRPr>
+            </a:pPr>
+            <a:r>
+              <a:rPr sz="2400" b="0" i="0">
+                <a:latin typeface="Courier"/>
               </a:rPr>
-              <a:t>Smith kaart van de zesde oplossing</a:t>
-            </a:r>
-            <a:endParaRPr sz="3200" b="1" i="0">
-              <a:latin typeface="Arial"/>
+              <a:t>hoek    admitantie (Siemens)     lengte coax (cm)</a:t>
+            </a:r>
+            <a:endParaRPr sz="2400" b="0" i="0">
+              <a:latin typeface="Courier"/>
             </a:endParaRPr>
           </a:p>
-        </p:txBody>
-      </p:sp>
-      <p:pic>
-        <p:nvPicPr>
-          <p:cNvPr id="3" name="Picture 2" descr="image.png"/>
-          <p:cNvPicPr>
-            <a:picLocks noChangeAspect="1"/>
-          </p:cNvPicPr>
-          <p:nvPr/>
-        </p:nvPicPr>
-        <p:blipFill>
-          <a:blip r:embed="rId2"/>
-          <a:stretch>
-            <a:fillRect/>
-          </a:stretch>
-        </p:blipFill>
-        <p:spPr>
-          <a:xfrm>
-            <a:off x="3307080" y="566928"/>
-            <a:ext cx="5577840" cy="5577840"/>
-          </a:xfrm>
-          <a:prstGeom prst="rect">
-            <a:avLst/>
-          </a:prstGeom>
-        </p:spPr>
-      </p:pic>
+          <a:p>
+            <a:pPr>
+              <a:lnSpc>
+                <a:spcPts val="2400"/>
+              </a:lnSpc>
+              <a:defRPr>
+                <a:solidFill>
+                  <a:srgbClr val="000000"/>
+                </a:solidFill>
+              </a:defRPr>
+            </a:pPr>
+            <a:r>
+              <a:rPr sz="2400" b="0" i="0">
+                <a:latin typeface="Courier"/>
+              </a:rPr>
+              <a:t> 118    Y= 19.22+22.62j mS     lengte=4.10 cm</a:t>
+            </a:r>
+            <a:endParaRPr sz="2400" b="0" i="0">
+              <a:latin typeface="Courier"/>
+            </a:endParaRPr>
+          </a:p>
+          <a:p>
+            <a:pPr>
+              <a:lnSpc>
+                <a:spcPts val="2400"/>
+              </a:lnSpc>
+              <a:defRPr>
+                <a:solidFill>
+                  <a:srgbClr val="000000"/>
+                </a:solidFill>
+              </a:defRPr>
+            </a:pPr>
+            <a:r>
+              <a:rPr sz="2400" b="0" i="0">
+                <a:latin typeface="Courier"/>
+              </a:rPr>
+              <a:t> 119    Y= 19.60+22.86j mS     lengte=4.13 cm</a:t>
+            </a:r>
+            <a:endParaRPr sz="2400" b="0" i="0">
+              <a:latin typeface="Courier"/>
+            </a:endParaRPr>
+          </a:p>
+          <a:p>
+            <a:pPr>
+              <a:lnSpc>
+                <a:spcPts val="2400"/>
+              </a:lnSpc>
+              <a:defRPr>
+                <a:solidFill>
+                  <a:srgbClr val="000000"/>
+                </a:solidFill>
+              </a:defRPr>
+            </a:pPr>
+            <a:r>
+              <a:rPr sz="2400" b="0" i="0">
+                <a:latin typeface="Courier"/>
+              </a:rPr>
+              <a:t> 120    Y= 20.00+23.09j mS     lengte=4.17 cm</a:t>
+            </a:r>
+            <a:endParaRPr sz="2400" b="0" i="0">
+              <a:latin typeface="Courier"/>
+            </a:endParaRPr>
+          </a:p>
+          <a:p>
+            <a:pPr>
+              <a:lnSpc>
+                <a:spcPts val="2400"/>
+              </a:lnSpc>
+              <a:defRPr>
+                <a:solidFill>
+                  <a:srgbClr val="000000"/>
+                </a:solidFill>
+              </a:defRPr>
+            </a:pPr>
+            <a:r>
+              <a:rPr sz="2400" b="0" i="0">
+                <a:latin typeface="Courier"/>
+              </a:rPr>
+              <a:t> 121    Y= 20.41+23.33j mS     lengte=4.20 cm</a:t>
+            </a:r>
+            <a:endParaRPr sz="2400" b="0" i="0">
+              <a:latin typeface="Courier"/>
+            </a:endParaRPr>
+          </a:p>
+          <a:p>
+            <a:pPr>
+              <a:lnSpc>
+                <a:spcPts val="2400"/>
+              </a:lnSpc>
+              <a:defRPr>
+                <a:solidFill>
+                  <a:srgbClr val="000000"/>
+                </a:solidFill>
+              </a:defRPr>
+            </a:pPr>
+            <a:endParaRPr sz="2400" b="0" i="0">
+              <a:latin typeface="Courier"/>
+            </a:endParaRPr>
+          </a:p>
+        </p:txBody>
+      </p:sp>
+      <p:sp>
+        <p:nvSpPr>
+          <p:cNvPr id="3" name="Title 2"/>
+          <p:cNvSpPr>
+            <a:spLocks noGrp="1"/>
+          </p:cNvSpPr>
+          <p:nvPr>
+            <p:ph type="title"/>
+          </p:nvPr>
+        </p:nvSpPr>
+        <p:spPr/>
+        <p:txBody>
+          <a:bodyPr/>
+          <a:lstStyle/>
+          <a:p/>
+        </p:txBody>
+      </p:sp>
     </p:spTree>
   </p:cSld>
   <p:clrMapOvr>
@@ -5994,7 +6252,7 @@
               <a:rPr sz="3200" b="1" i="0">
                 <a:latin typeface="Arial"/>
               </a:rPr>
-              <a:t>Circuit van de zesde oplossing</a:t>
+              <a:t>Circuit van de vierde oplossing</a:t>
             </a:r>
             <a:endParaRPr sz="3200" b="1" i="0">
               <a:latin typeface="Arial"/>
@@ -6018,8 +6276,8 @@
         </p:blipFill>
         <p:spPr>
           <a:xfrm>
-            <a:off x="359206" y="566928"/>
-            <a:ext cx="11473588" cy="5577840"/>
+            <a:off x="0" y="566928"/>
+            <a:ext cx="12192000" cy="5669280"/>
           </a:xfrm>
           <a:prstGeom prst="rect">
             <a:avLst/>
@@ -6065,7 +6323,7 @@
               <a:rPr sz="3200" b="1" i="0">
                 <a:latin typeface="Arial"/>
               </a:rPr>
-              <a:t>Smith kaart van de zevende oplossing</a:t>
+              <a:t>Smith kaart van de vijfde oplossing</a:t>
             </a:r>
             <a:endParaRPr sz="3200" b="1" i="0">
               <a:latin typeface="Arial"/>
@@ -6089,8 +6347,8 @@
         </p:blipFill>
         <p:spPr>
           <a:xfrm>
-            <a:off x="3307080" y="566928"/>
-            <a:ext cx="5577840" cy="5577840"/>
+            <a:off x="3261360" y="566928"/>
+            <a:ext cx="5669280" cy="5669280"/>
           </a:xfrm>
           <a:prstGeom prst="rect">
             <a:avLst/>
@@ -6117,12 +6375,12 @@
       <p:grpSpPr/>
       <p:sp>
         <p:nvSpPr>
-          <p:cNvPr id="2" name="Title 1"/>
-          <p:cNvSpPr>
-            <a:spLocks noGrp="1"/>
-          </p:cNvSpPr>
-          <p:nvPr>
-            <p:ph type="title"/>
+          <p:cNvPr id="2" name="Content Placeholder 1"/>
+          <p:cNvSpPr>
+            <a:spLocks noGrp="1"/>
+          </p:cNvSpPr>
+          <p:nvPr>
+            <p:ph idx="1"/>
           </p:nvPr>
         </p:nvSpPr>
         <p:spPr/>
@@ -6132,42 +6390,144 @@
           </a:bodyPr>
           <a:lstStyle/>
           <a:p>
-            <a:r>
-              <a:rPr sz="3200" b="1" i="0">
-                <a:latin typeface="Arial"/>
+            <a:pPr>
+              <a:lnSpc>
+                <a:spcPts val="2400"/>
+              </a:lnSpc>
+              <a:defRPr>
+                <a:solidFill>
+                  <a:srgbClr val="000000"/>
+                </a:solidFill>
+              </a:defRPr>
+            </a:pPr>
+            <a:r>
+              <a:rPr sz="2400" b="0" i="0">
+                <a:latin typeface="Courier"/>
               </a:rPr>
-              <a:t>Circuit van de zevende oplossing</a:t>
-            </a:r>
-            <a:endParaRPr sz="3200" b="1" i="0">
-              <a:latin typeface="Arial"/>
+              <a:t>hoek    admitantie (Siemens)     lengte coax (cm)</a:t>
+            </a:r>
+            <a:endParaRPr sz="2400" b="0" i="0">
+              <a:latin typeface="Courier"/>
             </a:endParaRPr>
           </a:p>
-        </p:txBody>
-      </p:sp>
-      <p:pic>
-        <p:nvPicPr>
-          <p:cNvPr id="3" name="Picture 2" descr="image.png"/>
-          <p:cNvPicPr>
-            <a:picLocks noChangeAspect="1"/>
-          </p:cNvPicPr>
-          <p:nvPr/>
-        </p:nvPicPr>
-        <p:blipFill>
-          <a:blip r:embed="rId2"/>
-          <a:stretch>
-            <a:fillRect/>
-          </a:stretch>
-        </p:blipFill>
-        <p:spPr>
-          <a:xfrm>
-            <a:off x="359206" y="566928"/>
-            <a:ext cx="11473588" cy="5577840"/>
-          </a:xfrm>
-          <a:prstGeom prst="rect">
-            <a:avLst/>
-          </a:prstGeom>
-        </p:spPr>
-      </p:pic>
+          <a:p>
+            <a:pPr>
+              <a:lnSpc>
+                <a:spcPts val="2400"/>
+              </a:lnSpc>
+              <a:defRPr>
+                <a:solidFill>
+                  <a:srgbClr val="000000"/>
+                </a:solidFill>
+              </a:defRPr>
+            </a:pPr>
+            <a:r>
+              <a:rPr sz="2400" b="0" i="0">
+                <a:latin typeface="Courier"/>
+              </a:rPr>
+              <a:t> 238    Y= 20.83-23.55j mS     lengte=8.26 cm</a:t>
+            </a:r>
+            <a:endParaRPr sz="2400" b="0" i="0">
+              <a:latin typeface="Courier"/>
+            </a:endParaRPr>
+          </a:p>
+          <a:p>
+            <a:pPr>
+              <a:lnSpc>
+                <a:spcPts val="2400"/>
+              </a:lnSpc>
+              <a:defRPr>
+                <a:solidFill>
+                  <a:srgbClr val="000000"/>
+                </a:solidFill>
+              </a:defRPr>
+            </a:pPr>
+            <a:r>
+              <a:rPr sz="2400" b="0" i="0">
+                <a:latin typeface="Courier"/>
+              </a:rPr>
+              <a:t> 239    Y= 20.41-23.33j mS     lengte=8.30 cm</a:t>
+            </a:r>
+            <a:endParaRPr sz="2400" b="0" i="0">
+              <a:latin typeface="Courier"/>
+            </a:endParaRPr>
+          </a:p>
+          <a:p>
+            <a:pPr>
+              <a:lnSpc>
+                <a:spcPts val="2400"/>
+              </a:lnSpc>
+              <a:defRPr>
+                <a:solidFill>
+                  <a:srgbClr val="000000"/>
+                </a:solidFill>
+              </a:defRPr>
+            </a:pPr>
+            <a:r>
+              <a:rPr sz="2400" b="0" i="0">
+                <a:latin typeface="Courier"/>
+              </a:rPr>
+              <a:t> 240    Y= 20.00-23.09j mS     lengte=8.33 cm</a:t>
+            </a:r>
+            <a:endParaRPr sz="2400" b="0" i="0">
+              <a:latin typeface="Courier"/>
+            </a:endParaRPr>
+          </a:p>
+          <a:p>
+            <a:pPr>
+              <a:lnSpc>
+                <a:spcPts val="2400"/>
+              </a:lnSpc>
+              <a:defRPr>
+                <a:solidFill>
+                  <a:srgbClr val="000000"/>
+                </a:solidFill>
+              </a:defRPr>
+            </a:pPr>
+            <a:r>
+              <a:rPr sz="2400" b="0" i="0">
+                <a:latin typeface="Courier"/>
+              </a:rPr>
+              <a:t> 241    Y= 19.60-22.86j mS     lengte=8.37 cm</a:t>
+            </a:r>
+            <a:endParaRPr sz="2400" b="0" i="0">
+              <a:latin typeface="Courier"/>
+            </a:endParaRPr>
+          </a:p>
+          <a:p>
+            <a:pPr>
+              <a:lnSpc>
+                <a:spcPts val="2400"/>
+              </a:lnSpc>
+              <a:defRPr>
+                <a:solidFill>
+                  <a:srgbClr val="000000"/>
+                </a:solidFill>
+              </a:defRPr>
+            </a:pPr>
+            <a:endParaRPr sz="2400" b="0" i="0">
+              <a:latin typeface="Courier"/>
+            </a:endParaRPr>
+          </a:p>
+        </p:txBody>
+      </p:sp>
+      <p:sp>
+        <p:nvSpPr>
+          <p:cNvPr id="3" name="Title 2"/>
+          <p:cNvSpPr>
+            <a:spLocks noGrp="1"/>
+          </p:cNvSpPr>
+          <p:nvPr>
+            <p:ph type="title"/>
+          </p:nvPr>
+        </p:nvSpPr>
+        <p:spPr/>
+        <p:txBody>
+          <a:bodyPr/>
+          <a:lstStyle/>
+          <a:p/>
+        </p:txBody>
+      </p:sp>
     </p:spTree>
   </p:cSld>
   <p:clrMapOvr>
@@ -6188,12 +6548,12 @@
       <p:grpSpPr/>
       <p:sp>
         <p:nvSpPr>
-          <p:cNvPr id="2" name="Title 1"/>
-          <p:cNvSpPr>
-            <a:spLocks noGrp="1"/>
-          </p:cNvSpPr>
-          <p:nvPr>
-            <p:ph type="title"/>
+          <p:cNvPr id="2" name="Content Placeholder 1"/>
+          <p:cNvSpPr>
+            <a:spLocks noGrp="1"/>
+          </p:cNvSpPr>
+          <p:nvPr>
+            <p:ph idx="1"/>
           </p:nvPr>
         </p:nvSpPr>
         <p:spPr/>
@@ -6203,42 +6563,186 @@
           </a:bodyPr>
           <a:lstStyle/>
           <a:p>
-            <a:r>
-              <a:rPr sz="3200" b="1" i="0">
-                <a:latin typeface="Arial"/>
+            <a:pPr>
+              <a:lnSpc>
+                <a:spcPts val="2400"/>
+              </a:lnSpc>
+              <a:defRPr>
+                <a:solidFill>
+                  <a:srgbClr val="000000"/>
+                </a:solidFill>
+              </a:defRPr>
+            </a:pPr>
+            <a:r>
+              <a:rPr sz="2400" b="0" i="0">
+                <a:latin typeface="Courier"/>
               </a:rPr>
-              <a:t>Smith kaart van de achtste oplossing</a:t>
-            </a:r>
-            <a:endParaRPr sz="3200" b="1" i="0">
-              <a:latin typeface="Arial"/>
+              <a:t>hoek    admitantie (Siemens)     lengte coax (cm)</a:t>
+            </a:r>
+            <a:endParaRPr sz="2400" b="0" i="0">
+              <a:latin typeface="Courier"/>
             </a:endParaRPr>
           </a:p>
-        </p:txBody>
-      </p:sp>
-      <p:pic>
-        <p:nvPicPr>
-          <p:cNvPr id="3" name="Picture 2" descr="image.png"/>
-          <p:cNvPicPr>
-            <a:picLocks noChangeAspect="1"/>
-          </p:cNvPicPr>
-          <p:nvPr/>
-        </p:nvPicPr>
-        <p:blipFill>
-          <a:blip r:embed="rId2"/>
-          <a:stretch>
-            <a:fillRect/>
-          </a:stretch>
-        </p:blipFill>
-        <p:spPr>
-          <a:xfrm>
-            <a:off x="3307080" y="566928"/>
-            <a:ext cx="5577840" cy="5577840"/>
-          </a:xfrm>
-          <a:prstGeom prst="rect">
-            <a:avLst/>
-          </a:prstGeom>
-        </p:spPr>
-      </p:pic>
+          <a:p>
+            <a:pPr>
+              <a:lnSpc>
+                <a:spcPts val="2400"/>
+              </a:lnSpc>
+              <a:defRPr>
+                <a:solidFill>
+                  <a:srgbClr val="000000"/>
+                </a:solidFill>
+              </a:defRPr>
+            </a:pPr>
+            <a:r>
+              <a:rPr sz="2400" b="0" i="0">
+                <a:latin typeface="Courier"/>
+              </a:rPr>
+              <a:t>  95       Y= +21.83j mS     lengte=3.30 cm</a:t>
+            </a:r>
+            <a:endParaRPr sz="2400" b="0" i="0">
+              <a:latin typeface="Courier"/>
+            </a:endParaRPr>
+          </a:p>
+          <a:p>
+            <a:pPr>
+              <a:lnSpc>
+                <a:spcPts val="2400"/>
+              </a:lnSpc>
+              <a:defRPr>
+                <a:solidFill>
+                  <a:srgbClr val="000000"/>
+                </a:solidFill>
+              </a:defRPr>
+            </a:pPr>
+            <a:r>
+              <a:rPr sz="2400" b="0" i="0">
+                <a:latin typeface="Courier"/>
+              </a:rPr>
+              <a:t>  96       Y= +22.21j mS     lengte=3.33 cm</a:t>
+            </a:r>
+            <a:endParaRPr sz="2400" b="0" i="0">
+              <a:latin typeface="Courier"/>
+            </a:endParaRPr>
+          </a:p>
+          <a:p>
+            <a:pPr>
+              <a:lnSpc>
+                <a:spcPts val="2400"/>
+              </a:lnSpc>
+              <a:defRPr>
+                <a:solidFill>
+                  <a:srgbClr val="000000"/>
+                </a:solidFill>
+              </a:defRPr>
+            </a:pPr>
+            <a:r>
+              <a:rPr sz="2400" b="0" i="0">
+                <a:latin typeface="Courier"/>
+              </a:rPr>
+              <a:t>  97       Y= +22.61j mS     lengte=3.37 cm</a:t>
+            </a:r>
+            <a:endParaRPr sz="2400" b="0" i="0">
+              <a:latin typeface="Courier"/>
+            </a:endParaRPr>
+          </a:p>
+          <a:p>
+            <a:pPr>
+              <a:lnSpc>
+                <a:spcPts val="2400"/>
+              </a:lnSpc>
+              <a:defRPr>
+                <a:solidFill>
+                  <a:srgbClr val="000000"/>
+                </a:solidFill>
+              </a:defRPr>
+            </a:pPr>
+            <a:r>
+              <a:rPr sz="2400" b="0" i="0">
+                <a:latin typeface="Courier"/>
+              </a:rPr>
+              <a:t>  98       Y= +23.01j mS     lengte=3.40 cm</a:t>
+            </a:r>
+            <a:endParaRPr sz="2400" b="0" i="0">
+              <a:latin typeface="Courier"/>
+            </a:endParaRPr>
+          </a:p>
+          <a:p>
+            <a:pPr>
+              <a:lnSpc>
+                <a:spcPts val="2400"/>
+              </a:lnSpc>
+              <a:defRPr>
+                <a:solidFill>
+                  <a:srgbClr val="000000"/>
+                </a:solidFill>
+              </a:defRPr>
+            </a:pPr>
+            <a:r>
+              <a:rPr sz="2400" b="0" i="0">
+                <a:latin typeface="Courier"/>
+              </a:rPr>
+              <a:t>  99       Y= +23.42j mS     lengte=3.44 cm</a:t>
+            </a:r>
+            <a:endParaRPr sz="2400" b="0" i="0">
+              <a:latin typeface="Courier"/>
+            </a:endParaRPr>
+          </a:p>
+          <a:p>
+            <a:pPr>
+              <a:lnSpc>
+                <a:spcPts val="2400"/>
+              </a:lnSpc>
+              <a:defRPr>
+                <a:solidFill>
+                  <a:srgbClr val="000000"/>
+                </a:solidFill>
+              </a:defRPr>
+            </a:pPr>
+            <a:r>
+              <a:rPr sz="2400" b="0" i="0">
+                <a:latin typeface="Courier"/>
+              </a:rPr>
+              <a:t> 100       Y= +23.84j mS     lengte=3.47 cm</a:t>
+            </a:r>
+            <a:endParaRPr sz="2400" b="0" i="0">
+              <a:latin typeface="Courier"/>
+            </a:endParaRPr>
+          </a:p>
+          <a:p>
+            <a:pPr>
+              <a:lnSpc>
+                <a:spcPts val="2400"/>
+              </a:lnSpc>
+              <a:defRPr>
+                <a:solidFill>
+                  <a:srgbClr val="000000"/>
+                </a:solidFill>
+              </a:defRPr>
+            </a:pPr>
+            <a:endParaRPr sz="2400" b="0" i="0">
+              <a:latin typeface="Courier"/>
+            </a:endParaRPr>
+          </a:p>
+        </p:txBody>
+      </p:sp>
+      <p:sp>
+        <p:nvSpPr>
+          <p:cNvPr id="3" name="Title 2"/>
+          <p:cNvSpPr>
+            <a:spLocks noGrp="1"/>
+          </p:cNvSpPr>
+          <p:nvPr>
+            <p:ph type="title"/>
+          </p:nvPr>
+        </p:nvSpPr>
+        <p:spPr/>
+        <p:txBody>
+          <a:bodyPr/>
+          <a:lstStyle/>
+          <a:p/>
+        </p:txBody>
+      </p:sp>
     </p:spTree>
   </p:cSld>
   <p:clrMapOvr>
@@ -6278,7 +6782,7 @@
               <a:rPr sz="3200" b="1" i="0">
                 <a:latin typeface="Arial"/>
               </a:rPr>
-              <a:t>Circuit van de achtste oplossing</a:t>
+              <a:t>Circuit van de vijfde oplossing</a:t>
             </a:r>
             <a:endParaRPr sz="3200" b="1" i="0">
               <a:latin typeface="Arial"/>
@@ -6302,8 +6806,8 @@
         </p:blipFill>
         <p:spPr>
           <a:xfrm>
-            <a:off x="359206" y="566928"/>
-            <a:ext cx="11473588" cy="5577840"/>
+            <a:off x="265160" y="566928"/>
+            <a:ext cx="11661680" cy="5669280"/>
           </a:xfrm>
           <a:prstGeom prst="rect">
             <a:avLst/>
@@ -6328,6 +6832,59 @@
         <p:nvPr/>
       </p:nvGrpSpPr>
       <p:grpSpPr/>
+      <p:sp>
+        <p:nvSpPr>
+          <p:cNvPr id="2" name="Title 1"/>
+          <p:cNvSpPr>
+            <a:spLocks noGrp="1"/>
+          </p:cNvSpPr>
+          <p:nvPr>
+            <p:ph type="title"/>
+          </p:nvPr>
+        </p:nvSpPr>
+        <p:spPr/>
+        <p:txBody>
+          <a:bodyPr wrap="square">
+            <a:noAutofit/>
+          </a:bodyPr>
+          <a:lstStyle/>
+          <a:p>
+            <a:r>
+              <a:rPr sz="3200" b="1" i="0">
+                <a:latin typeface="Arial"/>
+              </a:rPr>
+              <a:t>Smith kaart van de zesde oplossing</a:t>
+            </a:r>
+            <a:endParaRPr sz="3200" b="1" i="0">
+              <a:latin typeface="Arial"/>
+            </a:endParaRPr>
+          </a:p>
+        </p:txBody>
+      </p:sp>
+      <p:pic>
+        <p:nvPicPr>
+          <p:cNvPr id="3" name="Picture 2" descr="image.png"/>
+          <p:cNvPicPr>
+            <a:picLocks noChangeAspect="1"/>
+          </p:cNvPicPr>
+          <p:nvPr/>
+        </p:nvPicPr>
+        <p:blipFill>
+          <a:blip r:embed="rId2"/>
+          <a:stretch>
+            <a:fillRect/>
+          </a:stretch>
+        </p:blipFill>
+        <p:spPr>
+          <a:xfrm>
+            <a:off x="3261360" y="566928"/>
+            <a:ext cx="5669280" cy="5669280"/>
+          </a:xfrm>
+          <a:prstGeom prst="rect">
+            <a:avLst/>
+          </a:prstGeom>
+        </p:spPr>
+      </p:pic>
     </p:spTree>
   </p:cSld>
   <p:clrMapOvr>
@@ -6361,33 +6918,6 @@
           <a:bodyPr/>
           <a:lstStyle/>
           <a:p/>
-          <a:p>
-            <a:pPr/>
-            <a:r>
-              <a:t>## Opgave</a:t>
-            </a:r>
-          </a:p>
-          <a:p>
-            <a:pPr/>
-          </a:p>
-          <a:p>
-            <a:pPr/>
-            <a:r>
-              <a:t>Gebruik je Smith kaart om een antenne van 150 Ohm aan te passen aan een coax van 50 Ohm voor een frequentie van 600 MHz (</a:t>
-            </a:r>
-            <a:r>
-              <a:t>λ</a:t>
-            </a:r>
-            <a:r>
-              <a:t>= 25 cm; </a:t>
-            </a:r>
-            <a:r>
-              <a:t>ε_r</a:t>
-            </a:r>
-            <a:r>
-              <a:t>=4)? Welke verschillende oplossingen zijn er mogelijk?</a:t>
-            </a:r>
-          </a:p>
         </p:txBody>
       </p:sp>
       <p:sp>
@@ -6405,6 +6935,57 @@
           <a:bodyPr/>
           <a:lstStyle/>
           <a:p/>
+        </p:txBody>
+      </p:sp>
+      <p:sp>
+        <p:nvSpPr>
+          <p:cNvPr id="2" name="Content Placeholder 1"/>
+          <p:cNvSpPr>
+            <a:spLocks noGrp="1"/>
+          </p:cNvSpPr>
+          <p:nvPr>
+            <p:ph idx="1"/>
+          </p:nvPr>
+        </p:nvSpPr>
+        <p:spPr>
+          <a:xfrm>
+            <a:off x="914400" y="566928"/>
+            <a:ext cx="10820400" cy="5669280"/>
+          </a:xfrm>
+        </p:spPr>
+        <p:txBody>
+          <a:bodyPr>
+            <a:spAutoFit/>
+          </a:bodyPr>
+          <a:lstStyle/>
+          <a:p/>
+          <a:p>
+            <a:pPr/>
+            <a:r>
+              <a:t>## Opgave</a:t>
+            </a:r>
+          </a:p>
+          <a:p>
+            <a:pPr/>
+          </a:p>
+          <a:p>
+            <a:pPr/>
+            <a:r>
+              <a:t>Gebruik je Smith kaart om een antenne van 150 Ohm aan te passen aan een coax van 50 Ohm voor een frequentie van 600 MHz (</a:t>
+            </a:r>
+            <a:r>
+              <a:t>λ</a:t>
+            </a:r>
+            <a:r>
+              <a:t>= 25 cm; </a:t>
+            </a:r>
+            <a:r>
+              <a:t>ε_r</a:t>
+            </a:r>
+            <a:r>
+              <a:t>=4)? Welke verschillende oplossingen zijn er mogelijk?</a:t>
+            </a:r>
+          </a:p>
         </p:txBody>
       </p:sp>
     </p:spTree>
@@ -6425,6 +7006,1394 @@
         <p:nvPr/>
       </p:nvGrpSpPr>
       <p:grpSpPr/>
+      <p:sp>
+        <p:nvSpPr>
+          <p:cNvPr id="2" name="Content Placeholder 1"/>
+          <p:cNvSpPr>
+            <a:spLocks noGrp="1"/>
+          </p:cNvSpPr>
+          <p:nvPr>
+            <p:ph idx="1"/>
+          </p:nvPr>
+        </p:nvSpPr>
+        <p:spPr/>
+        <p:txBody>
+          <a:bodyPr wrap="square">
+            <a:noAutofit/>
+          </a:bodyPr>
+          <a:lstStyle/>
+          <a:p>
+            <a:pPr>
+              <a:lnSpc>
+                <a:spcPts val="2400"/>
+              </a:lnSpc>
+              <a:defRPr>
+                <a:solidFill>
+                  <a:srgbClr val="000000"/>
+                </a:solidFill>
+              </a:defRPr>
+            </a:pPr>
+            <a:r>
+              <a:rPr sz="2400" b="0" i="0">
+                <a:latin typeface="Courier"/>
+              </a:rPr>
+              <a:t>hoek    admitantie (Siemens)     lengte coax (cm)</a:t>
+            </a:r>
+            <a:endParaRPr sz="2400" b="0" i="0">
+              <a:latin typeface="Courier"/>
+            </a:endParaRPr>
+          </a:p>
+          <a:p>
+            <a:pPr>
+              <a:lnSpc>
+                <a:spcPts val="2400"/>
+              </a:lnSpc>
+              <a:defRPr>
+                <a:solidFill>
+                  <a:srgbClr val="000000"/>
+                </a:solidFill>
+              </a:defRPr>
+            </a:pPr>
+            <a:r>
+              <a:rPr sz="2400" b="0" i="0">
+                <a:latin typeface="Courier"/>
+              </a:rPr>
+              <a:t> 238    Y= 20.83-23.55j mS     lengte=8.26 cm</a:t>
+            </a:r>
+            <a:endParaRPr sz="2400" b="0" i="0">
+              <a:latin typeface="Courier"/>
+            </a:endParaRPr>
+          </a:p>
+          <a:p>
+            <a:pPr>
+              <a:lnSpc>
+                <a:spcPts val="2400"/>
+              </a:lnSpc>
+              <a:defRPr>
+                <a:solidFill>
+                  <a:srgbClr val="000000"/>
+                </a:solidFill>
+              </a:defRPr>
+            </a:pPr>
+            <a:r>
+              <a:rPr sz="2400" b="0" i="0">
+                <a:latin typeface="Courier"/>
+              </a:rPr>
+              <a:t> 239    Y= 20.41-23.33j mS     lengte=8.30 cm</a:t>
+            </a:r>
+            <a:endParaRPr sz="2400" b="0" i="0">
+              <a:latin typeface="Courier"/>
+            </a:endParaRPr>
+          </a:p>
+          <a:p>
+            <a:pPr>
+              <a:lnSpc>
+                <a:spcPts val="2400"/>
+              </a:lnSpc>
+              <a:defRPr>
+                <a:solidFill>
+                  <a:srgbClr val="000000"/>
+                </a:solidFill>
+              </a:defRPr>
+            </a:pPr>
+            <a:r>
+              <a:rPr sz="2400" b="0" i="0">
+                <a:latin typeface="Courier"/>
+              </a:rPr>
+              <a:t> 240    Y= 20.00-23.09j mS     lengte=8.33 cm</a:t>
+            </a:r>
+            <a:endParaRPr sz="2400" b="0" i="0">
+              <a:latin typeface="Courier"/>
+            </a:endParaRPr>
+          </a:p>
+          <a:p>
+            <a:pPr>
+              <a:lnSpc>
+                <a:spcPts val="2400"/>
+              </a:lnSpc>
+              <a:defRPr>
+                <a:solidFill>
+                  <a:srgbClr val="000000"/>
+                </a:solidFill>
+              </a:defRPr>
+            </a:pPr>
+            <a:r>
+              <a:rPr sz="2400" b="0" i="0">
+                <a:latin typeface="Courier"/>
+              </a:rPr>
+              <a:t> 241    Y= 19.60-22.86j mS     lengte=8.37 cm</a:t>
+            </a:r>
+            <a:endParaRPr sz="2400" b="0" i="0">
+              <a:latin typeface="Courier"/>
+            </a:endParaRPr>
+          </a:p>
+          <a:p>
+            <a:pPr>
+              <a:lnSpc>
+                <a:spcPts val="2400"/>
+              </a:lnSpc>
+              <a:defRPr>
+                <a:solidFill>
+                  <a:srgbClr val="000000"/>
+                </a:solidFill>
+              </a:defRPr>
+            </a:pPr>
+            <a:endParaRPr sz="2400" b="0" i="0">
+              <a:latin typeface="Courier"/>
+            </a:endParaRPr>
+          </a:p>
+        </p:txBody>
+      </p:sp>
+      <p:sp>
+        <p:nvSpPr>
+          <p:cNvPr id="3" name="Title 2"/>
+          <p:cNvSpPr>
+            <a:spLocks noGrp="1"/>
+          </p:cNvSpPr>
+          <p:nvPr>
+            <p:ph type="title"/>
+          </p:nvPr>
+        </p:nvSpPr>
+        <p:spPr/>
+        <p:txBody>
+          <a:bodyPr/>
+          <a:lstStyle/>
+          <a:p/>
+        </p:txBody>
+      </p:sp>
+    </p:spTree>
+  </p:cSld>
+  <p:clrMapOvr>
+    <a:masterClrMapping/>
+  </p:clrMapOvr>
+</p:sld>
+</file>
+
+<file path=ppt/slides/slide21.xml><?xml version="1.0" encoding="utf-8"?>
+<p:sld xmlns:a="http://schemas.openxmlformats.org/drawingml/2006/main" xmlns:p="http://schemas.openxmlformats.org/presentationml/2006/main" xmlns:r="http://schemas.openxmlformats.org/officeDocument/2006/relationships">
+  <p:cSld>
+    <p:spTree>
+      <p:nvGrpSpPr>
+        <p:cNvPr id="1" name=""/>
+        <p:cNvGrpSpPr/>
+        <p:nvPr/>
+      </p:nvGrpSpPr>
+      <p:grpSpPr/>
+      <p:sp>
+        <p:nvSpPr>
+          <p:cNvPr id="2" name="Content Placeholder 1"/>
+          <p:cNvSpPr>
+            <a:spLocks noGrp="1"/>
+          </p:cNvSpPr>
+          <p:nvPr>
+            <p:ph idx="1"/>
+          </p:nvPr>
+        </p:nvSpPr>
+        <p:spPr/>
+        <p:txBody>
+          <a:bodyPr wrap="square">
+            <a:noAutofit/>
+          </a:bodyPr>
+          <a:lstStyle/>
+          <a:p>
+            <a:pPr>
+              <a:lnSpc>
+                <a:spcPts val="2400"/>
+              </a:lnSpc>
+              <a:defRPr>
+                <a:solidFill>
+                  <a:srgbClr val="000000"/>
+                </a:solidFill>
+              </a:defRPr>
+            </a:pPr>
+            <a:r>
+              <a:rPr sz="2400" b="0" i="0">
+                <a:latin typeface="Courier"/>
+              </a:rPr>
+              <a:t>hoek    admitantie (Siemens)     lengte coax (cm)</a:t>
+            </a:r>
+            <a:endParaRPr sz="2400" b="0" i="0">
+              <a:latin typeface="Courier"/>
+            </a:endParaRPr>
+          </a:p>
+          <a:p>
+            <a:pPr>
+              <a:lnSpc>
+                <a:spcPts val="2400"/>
+              </a:lnSpc>
+              <a:defRPr>
+                <a:solidFill>
+                  <a:srgbClr val="000000"/>
+                </a:solidFill>
+              </a:defRPr>
+            </a:pPr>
+            <a:r>
+              <a:rPr sz="2400" b="0" i="0">
+                <a:latin typeface="Courier"/>
+              </a:rPr>
+              <a:t> 275       Y= +21.83j mS     lengte=9.55 cm</a:t>
+            </a:r>
+            <a:endParaRPr sz="2400" b="0" i="0">
+              <a:latin typeface="Courier"/>
+            </a:endParaRPr>
+          </a:p>
+          <a:p>
+            <a:pPr>
+              <a:lnSpc>
+                <a:spcPts val="2400"/>
+              </a:lnSpc>
+              <a:defRPr>
+                <a:solidFill>
+                  <a:srgbClr val="000000"/>
+                </a:solidFill>
+              </a:defRPr>
+            </a:pPr>
+            <a:r>
+              <a:rPr sz="2400" b="0" i="0">
+                <a:latin typeface="Courier"/>
+              </a:rPr>
+              <a:t> 276       Y= +22.21j mS     lengte=9.58 cm</a:t>
+            </a:r>
+            <a:endParaRPr sz="2400" b="0" i="0">
+              <a:latin typeface="Courier"/>
+            </a:endParaRPr>
+          </a:p>
+          <a:p>
+            <a:pPr>
+              <a:lnSpc>
+                <a:spcPts val="2400"/>
+              </a:lnSpc>
+              <a:defRPr>
+                <a:solidFill>
+                  <a:srgbClr val="000000"/>
+                </a:solidFill>
+              </a:defRPr>
+            </a:pPr>
+            <a:r>
+              <a:rPr sz="2400" b="0" i="0">
+                <a:latin typeface="Courier"/>
+              </a:rPr>
+              <a:t> 277       Y= +22.61j mS     lengte=9.62 cm</a:t>
+            </a:r>
+            <a:endParaRPr sz="2400" b="0" i="0">
+              <a:latin typeface="Courier"/>
+            </a:endParaRPr>
+          </a:p>
+          <a:p>
+            <a:pPr>
+              <a:lnSpc>
+                <a:spcPts val="2400"/>
+              </a:lnSpc>
+              <a:defRPr>
+                <a:solidFill>
+                  <a:srgbClr val="000000"/>
+                </a:solidFill>
+              </a:defRPr>
+            </a:pPr>
+            <a:r>
+              <a:rPr sz="2400" b="0" i="0">
+                <a:latin typeface="Courier"/>
+              </a:rPr>
+              <a:t> 278       Y= +23.01j mS     lengte=9.65 cm</a:t>
+            </a:r>
+            <a:endParaRPr sz="2400" b="0" i="0">
+              <a:latin typeface="Courier"/>
+            </a:endParaRPr>
+          </a:p>
+          <a:p>
+            <a:pPr>
+              <a:lnSpc>
+                <a:spcPts val="2400"/>
+              </a:lnSpc>
+              <a:defRPr>
+                <a:solidFill>
+                  <a:srgbClr val="000000"/>
+                </a:solidFill>
+              </a:defRPr>
+            </a:pPr>
+            <a:r>
+              <a:rPr sz="2400" b="0" i="0">
+                <a:latin typeface="Courier"/>
+              </a:rPr>
+              <a:t> 279       Y= +23.42j mS     lengte=9.69 cm</a:t>
+            </a:r>
+            <a:endParaRPr sz="2400" b="0" i="0">
+              <a:latin typeface="Courier"/>
+            </a:endParaRPr>
+          </a:p>
+          <a:p>
+            <a:pPr>
+              <a:lnSpc>
+                <a:spcPts val="2400"/>
+              </a:lnSpc>
+              <a:defRPr>
+                <a:solidFill>
+                  <a:srgbClr val="000000"/>
+                </a:solidFill>
+              </a:defRPr>
+            </a:pPr>
+            <a:r>
+              <a:rPr sz="2400" b="0" i="0">
+                <a:latin typeface="Courier"/>
+              </a:rPr>
+              <a:t> 280       Y= +23.84j mS     lengte=9.72 cm</a:t>
+            </a:r>
+            <a:endParaRPr sz="2400" b="0" i="0">
+              <a:latin typeface="Courier"/>
+            </a:endParaRPr>
+          </a:p>
+          <a:p>
+            <a:pPr>
+              <a:lnSpc>
+                <a:spcPts val="2400"/>
+              </a:lnSpc>
+              <a:defRPr>
+                <a:solidFill>
+                  <a:srgbClr val="000000"/>
+                </a:solidFill>
+              </a:defRPr>
+            </a:pPr>
+            <a:endParaRPr sz="2400" b="0" i="0">
+              <a:latin typeface="Courier"/>
+            </a:endParaRPr>
+          </a:p>
+        </p:txBody>
+      </p:sp>
+      <p:sp>
+        <p:nvSpPr>
+          <p:cNvPr id="3" name="Title 2"/>
+          <p:cNvSpPr>
+            <a:spLocks noGrp="1"/>
+          </p:cNvSpPr>
+          <p:nvPr>
+            <p:ph type="title"/>
+          </p:nvPr>
+        </p:nvSpPr>
+        <p:spPr/>
+        <p:txBody>
+          <a:bodyPr/>
+          <a:lstStyle/>
+          <a:p/>
+        </p:txBody>
+      </p:sp>
+    </p:spTree>
+  </p:cSld>
+  <p:clrMapOvr>
+    <a:masterClrMapping/>
+  </p:clrMapOvr>
+</p:sld>
+</file>
+
+<file path=ppt/slides/slide22.xml><?xml version="1.0" encoding="utf-8"?>
+<p:sld xmlns:a="http://schemas.openxmlformats.org/drawingml/2006/main" xmlns:p="http://schemas.openxmlformats.org/presentationml/2006/main" xmlns:r="http://schemas.openxmlformats.org/officeDocument/2006/relationships">
+  <p:cSld>
+    <p:spTree>
+      <p:nvGrpSpPr>
+        <p:cNvPr id="1" name=""/>
+        <p:cNvGrpSpPr/>
+        <p:nvPr/>
+      </p:nvGrpSpPr>
+      <p:grpSpPr/>
+      <p:sp>
+        <p:nvSpPr>
+          <p:cNvPr id="2" name="Title 1"/>
+          <p:cNvSpPr>
+            <a:spLocks noGrp="1"/>
+          </p:cNvSpPr>
+          <p:nvPr>
+            <p:ph type="title"/>
+          </p:nvPr>
+        </p:nvSpPr>
+        <p:spPr/>
+        <p:txBody>
+          <a:bodyPr wrap="square">
+            <a:noAutofit/>
+          </a:bodyPr>
+          <a:lstStyle/>
+          <a:p>
+            <a:r>
+              <a:rPr sz="3200" b="1" i="0">
+                <a:latin typeface="Arial"/>
+              </a:rPr>
+              <a:t>Circuit van de zesde oplossing</a:t>
+            </a:r>
+            <a:endParaRPr sz="3200" b="1" i="0">
+              <a:latin typeface="Arial"/>
+            </a:endParaRPr>
+          </a:p>
+        </p:txBody>
+      </p:sp>
+      <p:pic>
+        <p:nvPicPr>
+          <p:cNvPr id="3" name="Picture 2" descr="image.png"/>
+          <p:cNvPicPr>
+            <a:picLocks noChangeAspect="1"/>
+          </p:cNvPicPr>
+          <p:nvPr/>
+        </p:nvPicPr>
+        <p:blipFill>
+          <a:blip r:embed="rId2"/>
+          <a:stretch>
+            <a:fillRect/>
+          </a:stretch>
+        </p:blipFill>
+        <p:spPr>
+          <a:xfrm>
+            <a:off x="265160" y="566928"/>
+            <a:ext cx="11661680" cy="5669280"/>
+          </a:xfrm>
+          <a:prstGeom prst="rect">
+            <a:avLst/>
+          </a:prstGeom>
+        </p:spPr>
+      </p:pic>
+    </p:spTree>
+  </p:cSld>
+  <p:clrMapOvr>
+    <a:masterClrMapping/>
+  </p:clrMapOvr>
+</p:sld>
+</file>
+
+<file path=ppt/slides/slide23.xml><?xml version="1.0" encoding="utf-8"?>
+<p:sld xmlns:a="http://schemas.openxmlformats.org/drawingml/2006/main" xmlns:p="http://schemas.openxmlformats.org/presentationml/2006/main" xmlns:r="http://schemas.openxmlformats.org/officeDocument/2006/relationships">
+  <p:cSld>
+    <p:spTree>
+      <p:nvGrpSpPr>
+        <p:cNvPr id="1" name=""/>
+        <p:cNvGrpSpPr/>
+        <p:nvPr/>
+      </p:nvGrpSpPr>
+      <p:grpSpPr/>
+      <p:sp>
+        <p:nvSpPr>
+          <p:cNvPr id="2" name="Title 1"/>
+          <p:cNvSpPr>
+            <a:spLocks noGrp="1"/>
+          </p:cNvSpPr>
+          <p:nvPr>
+            <p:ph type="title"/>
+          </p:nvPr>
+        </p:nvSpPr>
+        <p:spPr/>
+        <p:txBody>
+          <a:bodyPr wrap="square">
+            <a:noAutofit/>
+          </a:bodyPr>
+          <a:lstStyle/>
+          <a:p>
+            <a:r>
+              <a:rPr sz="3200" b="1" i="0">
+                <a:latin typeface="Arial"/>
+              </a:rPr>
+              <a:t>Smith kaart van de zevende oplossing</a:t>
+            </a:r>
+            <a:endParaRPr sz="3200" b="1" i="0">
+              <a:latin typeface="Arial"/>
+            </a:endParaRPr>
+          </a:p>
+        </p:txBody>
+      </p:sp>
+      <p:pic>
+        <p:nvPicPr>
+          <p:cNvPr id="3" name="Picture 2" descr="image.png"/>
+          <p:cNvPicPr>
+            <a:picLocks noChangeAspect="1"/>
+          </p:cNvPicPr>
+          <p:nvPr/>
+        </p:nvPicPr>
+        <p:blipFill>
+          <a:blip r:embed="rId2"/>
+          <a:stretch>
+            <a:fillRect/>
+          </a:stretch>
+        </p:blipFill>
+        <p:spPr>
+          <a:xfrm>
+            <a:off x="3261360" y="566928"/>
+            <a:ext cx="5669280" cy="5669280"/>
+          </a:xfrm>
+          <a:prstGeom prst="rect">
+            <a:avLst/>
+          </a:prstGeom>
+        </p:spPr>
+      </p:pic>
+    </p:spTree>
+  </p:cSld>
+  <p:clrMapOvr>
+    <a:masterClrMapping/>
+  </p:clrMapOvr>
+</p:sld>
+</file>
+
+<file path=ppt/slides/slide24.xml><?xml version="1.0" encoding="utf-8"?>
+<p:sld xmlns:a="http://schemas.openxmlformats.org/drawingml/2006/main" xmlns:p="http://schemas.openxmlformats.org/presentationml/2006/main" xmlns:r="http://schemas.openxmlformats.org/officeDocument/2006/relationships">
+  <p:cSld>
+    <p:spTree>
+      <p:nvGrpSpPr>
+        <p:cNvPr id="1" name=""/>
+        <p:cNvGrpSpPr/>
+        <p:nvPr/>
+      </p:nvGrpSpPr>
+      <p:grpSpPr/>
+      <p:sp>
+        <p:nvSpPr>
+          <p:cNvPr id="2" name="Content Placeholder 1"/>
+          <p:cNvSpPr>
+            <a:spLocks noGrp="1"/>
+          </p:cNvSpPr>
+          <p:nvPr>
+            <p:ph idx="1"/>
+          </p:nvPr>
+        </p:nvSpPr>
+        <p:spPr/>
+        <p:txBody>
+          <a:bodyPr wrap="square">
+            <a:noAutofit/>
+          </a:bodyPr>
+          <a:lstStyle/>
+          <a:p>
+            <a:pPr>
+              <a:lnSpc>
+                <a:spcPts val="2400"/>
+              </a:lnSpc>
+              <a:defRPr>
+                <a:solidFill>
+                  <a:srgbClr val="000000"/>
+                </a:solidFill>
+              </a:defRPr>
+            </a:pPr>
+            <a:r>
+              <a:rPr sz="2400" b="0" i="0">
+                <a:latin typeface="Courier"/>
+              </a:rPr>
+              <a:t>hoek    admitantie (Siemens)     lengte coax (cm)</a:t>
+            </a:r>
+            <a:endParaRPr sz="2400" b="0" i="0">
+              <a:latin typeface="Courier"/>
+            </a:endParaRPr>
+          </a:p>
+          <a:p>
+            <a:pPr>
+              <a:lnSpc>
+                <a:spcPts val="2400"/>
+              </a:lnSpc>
+              <a:defRPr>
+                <a:solidFill>
+                  <a:srgbClr val="000000"/>
+                </a:solidFill>
+              </a:defRPr>
+            </a:pPr>
+            <a:r>
+              <a:rPr sz="2400" b="0" i="0">
+                <a:latin typeface="Courier"/>
+              </a:rPr>
+              <a:t> 118    Y= 19.22+22.62j mS     lengte=4.10 cm</a:t>
+            </a:r>
+            <a:endParaRPr sz="2400" b="0" i="0">
+              <a:latin typeface="Courier"/>
+            </a:endParaRPr>
+          </a:p>
+          <a:p>
+            <a:pPr>
+              <a:lnSpc>
+                <a:spcPts val="2400"/>
+              </a:lnSpc>
+              <a:defRPr>
+                <a:solidFill>
+                  <a:srgbClr val="000000"/>
+                </a:solidFill>
+              </a:defRPr>
+            </a:pPr>
+            <a:r>
+              <a:rPr sz="2400" b="0" i="0">
+                <a:latin typeface="Courier"/>
+              </a:rPr>
+              <a:t> 119    Y= 19.60+22.86j mS     lengte=4.13 cm</a:t>
+            </a:r>
+            <a:endParaRPr sz="2400" b="0" i="0">
+              <a:latin typeface="Courier"/>
+            </a:endParaRPr>
+          </a:p>
+          <a:p>
+            <a:pPr>
+              <a:lnSpc>
+                <a:spcPts val="2400"/>
+              </a:lnSpc>
+              <a:defRPr>
+                <a:solidFill>
+                  <a:srgbClr val="000000"/>
+                </a:solidFill>
+              </a:defRPr>
+            </a:pPr>
+            <a:r>
+              <a:rPr sz="2400" b="0" i="0">
+                <a:latin typeface="Courier"/>
+              </a:rPr>
+              <a:t> 120    Y= 20.00+23.09j mS     lengte=4.17 cm</a:t>
+            </a:r>
+            <a:endParaRPr sz="2400" b="0" i="0">
+              <a:latin typeface="Courier"/>
+            </a:endParaRPr>
+          </a:p>
+          <a:p>
+            <a:pPr>
+              <a:lnSpc>
+                <a:spcPts val="2400"/>
+              </a:lnSpc>
+              <a:defRPr>
+                <a:solidFill>
+                  <a:srgbClr val="000000"/>
+                </a:solidFill>
+              </a:defRPr>
+            </a:pPr>
+            <a:r>
+              <a:rPr sz="2400" b="0" i="0">
+                <a:latin typeface="Courier"/>
+              </a:rPr>
+              <a:t> 121    Y= 20.41+23.33j mS     lengte=4.20 cm</a:t>
+            </a:r>
+            <a:endParaRPr sz="2400" b="0" i="0">
+              <a:latin typeface="Courier"/>
+            </a:endParaRPr>
+          </a:p>
+          <a:p>
+            <a:pPr>
+              <a:lnSpc>
+                <a:spcPts val="2400"/>
+              </a:lnSpc>
+              <a:defRPr>
+                <a:solidFill>
+                  <a:srgbClr val="000000"/>
+                </a:solidFill>
+              </a:defRPr>
+            </a:pPr>
+            <a:endParaRPr sz="2400" b="0" i="0">
+              <a:latin typeface="Courier"/>
+            </a:endParaRPr>
+          </a:p>
+        </p:txBody>
+      </p:sp>
+      <p:sp>
+        <p:nvSpPr>
+          <p:cNvPr id="3" name="Title 2"/>
+          <p:cNvSpPr>
+            <a:spLocks noGrp="1"/>
+          </p:cNvSpPr>
+          <p:nvPr>
+            <p:ph type="title"/>
+          </p:nvPr>
+        </p:nvSpPr>
+        <p:spPr/>
+        <p:txBody>
+          <a:bodyPr/>
+          <a:lstStyle/>
+          <a:p/>
+        </p:txBody>
+      </p:sp>
+    </p:spTree>
+  </p:cSld>
+  <p:clrMapOvr>
+    <a:masterClrMapping/>
+  </p:clrMapOvr>
+</p:sld>
+</file>
+
+<file path=ppt/slides/slide25.xml><?xml version="1.0" encoding="utf-8"?>
+<p:sld xmlns:a="http://schemas.openxmlformats.org/drawingml/2006/main" xmlns:p="http://schemas.openxmlformats.org/presentationml/2006/main" xmlns:r="http://schemas.openxmlformats.org/officeDocument/2006/relationships">
+  <p:cSld>
+    <p:spTree>
+      <p:nvGrpSpPr>
+        <p:cNvPr id="1" name=""/>
+        <p:cNvGrpSpPr/>
+        <p:nvPr/>
+      </p:nvGrpSpPr>
+      <p:grpSpPr/>
+      <p:sp>
+        <p:nvSpPr>
+          <p:cNvPr id="2" name="Content Placeholder 1"/>
+          <p:cNvSpPr>
+            <a:spLocks noGrp="1"/>
+          </p:cNvSpPr>
+          <p:nvPr>
+            <p:ph idx="1"/>
+          </p:nvPr>
+        </p:nvSpPr>
+        <p:spPr/>
+        <p:txBody>
+          <a:bodyPr wrap="square">
+            <a:noAutofit/>
+          </a:bodyPr>
+          <a:lstStyle/>
+          <a:p>
+            <a:pPr>
+              <a:lnSpc>
+                <a:spcPts val="2400"/>
+              </a:lnSpc>
+              <a:defRPr>
+                <a:solidFill>
+                  <a:srgbClr val="000000"/>
+                </a:solidFill>
+              </a:defRPr>
+            </a:pPr>
+            <a:r>
+              <a:rPr sz="2400" b="0" i="0">
+                <a:latin typeface="Courier"/>
+              </a:rPr>
+              <a:t>hoek    admitantie (Siemens)     lengte coax (cm)</a:t>
+            </a:r>
+            <a:endParaRPr sz="2400" b="0" i="0">
+              <a:latin typeface="Courier"/>
+            </a:endParaRPr>
+          </a:p>
+          <a:p>
+            <a:pPr>
+              <a:lnSpc>
+                <a:spcPts val="2400"/>
+              </a:lnSpc>
+              <a:defRPr>
+                <a:solidFill>
+                  <a:srgbClr val="000000"/>
+                </a:solidFill>
+              </a:defRPr>
+            </a:pPr>
+            <a:r>
+              <a:rPr sz="2400" b="0" i="0">
+                <a:latin typeface="Courier"/>
+              </a:rPr>
+              <a:t> 260       Y= -23.84j mS     lengte=9.03 cm</a:t>
+            </a:r>
+            <a:endParaRPr sz="2400" b="0" i="0">
+              <a:latin typeface="Courier"/>
+            </a:endParaRPr>
+          </a:p>
+          <a:p>
+            <a:pPr>
+              <a:lnSpc>
+                <a:spcPts val="2400"/>
+              </a:lnSpc>
+              <a:defRPr>
+                <a:solidFill>
+                  <a:srgbClr val="000000"/>
+                </a:solidFill>
+              </a:defRPr>
+            </a:pPr>
+            <a:r>
+              <a:rPr sz="2400" b="0" i="0">
+                <a:latin typeface="Courier"/>
+              </a:rPr>
+              <a:t> 261       Y= -23.42j mS     lengte=9.06 cm</a:t>
+            </a:r>
+            <a:endParaRPr sz="2400" b="0" i="0">
+              <a:latin typeface="Courier"/>
+            </a:endParaRPr>
+          </a:p>
+          <a:p>
+            <a:pPr>
+              <a:lnSpc>
+                <a:spcPts val="2400"/>
+              </a:lnSpc>
+              <a:defRPr>
+                <a:solidFill>
+                  <a:srgbClr val="000000"/>
+                </a:solidFill>
+              </a:defRPr>
+            </a:pPr>
+            <a:r>
+              <a:rPr sz="2400" b="0" i="0">
+                <a:latin typeface="Courier"/>
+              </a:rPr>
+              <a:t> 262       Y= -23.01j mS     lengte=9.10 cm</a:t>
+            </a:r>
+            <a:endParaRPr sz="2400" b="0" i="0">
+              <a:latin typeface="Courier"/>
+            </a:endParaRPr>
+          </a:p>
+          <a:p>
+            <a:pPr>
+              <a:lnSpc>
+                <a:spcPts val="2400"/>
+              </a:lnSpc>
+              <a:defRPr>
+                <a:solidFill>
+                  <a:srgbClr val="000000"/>
+                </a:solidFill>
+              </a:defRPr>
+            </a:pPr>
+            <a:r>
+              <a:rPr sz="2400" b="0" i="0">
+                <a:latin typeface="Courier"/>
+              </a:rPr>
+              <a:t> 263       Y= -22.61j mS     lengte=9.13 cm</a:t>
+            </a:r>
+            <a:endParaRPr sz="2400" b="0" i="0">
+              <a:latin typeface="Courier"/>
+            </a:endParaRPr>
+          </a:p>
+          <a:p>
+            <a:pPr>
+              <a:lnSpc>
+                <a:spcPts val="2400"/>
+              </a:lnSpc>
+              <a:defRPr>
+                <a:solidFill>
+                  <a:srgbClr val="000000"/>
+                </a:solidFill>
+              </a:defRPr>
+            </a:pPr>
+            <a:r>
+              <a:rPr sz="2400" b="0" i="0">
+                <a:latin typeface="Courier"/>
+              </a:rPr>
+              <a:t> 264       Y= -22.21j mS     lengte=9.17 cm</a:t>
+            </a:r>
+            <a:endParaRPr sz="2400" b="0" i="0">
+              <a:latin typeface="Courier"/>
+            </a:endParaRPr>
+          </a:p>
+          <a:p>
+            <a:pPr>
+              <a:lnSpc>
+                <a:spcPts val="2400"/>
+              </a:lnSpc>
+              <a:defRPr>
+                <a:solidFill>
+                  <a:srgbClr val="000000"/>
+                </a:solidFill>
+              </a:defRPr>
+            </a:pPr>
+            <a:endParaRPr sz="2400" b="0" i="0">
+              <a:latin typeface="Courier"/>
+            </a:endParaRPr>
+          </a:p>
+        </p:txBody>
+      </p:sp>
+      <p:sp>
+        <p:nvSpPr>
+          <p:cNvPr id="3" name="Title 2"/>
+          <p:cNvSpPr>
+            <a:spLocks noGrp="1"/>
+          </p:cNvSpPr>
+          <p:nvPr>
+            <p:ph type="title"/>
+          </p:nvPr>
+        </p:nvSpPr>
+        <p:spPr/>
+        <p:txBody>
+          <a:bodyPr/>
+          <a:lstStyle/>
+          <a:p/>
+        </p:txBody>
+      </p:sp>
+    </p:spTree>
+  </p:cSld>
+  <p:clrMapOvr>
+    <a:masterClrMapping/>
+  </p:clrMapOvr>
+</p:sld>
+</file>
+
+<file path=ppt/slides/slide26.xml><?xml version="1.0" encoding="utf-8"?>
+<p:sld xmlns:a="http://schemas.openxmlformats.org/drawingml/2006/main" xmlns:p="http://schemas.openxmlformats.org/presentationml/2006/main" xmlns:r="http://schemas.openxmlformats.org/officeDocument/2006/relationships">
+  <p:cSld>
+    <p:spTree>
+      <p:nvGrpSpPr>
+        <p:cNvPr id="1" name=""/>
+        <p:cNvGrpSpPr/>
+        <p:nvPr/>
+      </p:nvGrpSpPr>
+      <p:grpSpPr/>
+      <p:sp>
+        <p:nvSpPr>
+          <p:cNvPr id="2" name="Title 1"/>
+          <p:cNvSpPr>
+            <a:spLocks noGrp="1"/>
+          </p:cNvSpPr>
+          <p:nvPr>
+            <p:ph type="title"/>
+          </p:nvPr>
+        </p:nvSpPr>
+        <p:spPr/>
+        <p:txBody>
+          <a:bodyPr wrap="square">
+            <a:noAutofit/>
+          </a:bodyPr>
+          <a:lstStyle/>
+          <a:p>
+            <a:r>
+              <a:rPr sz="3200" b="1" i="0">
+                <a:latin typeface="Arial"/>
+              </a:rPr>
+              <a:t>Circuit van de zevende oplossing</a:t>
+            </a:r>
+            <a:endParaRPr sz="3200" b="1" i="0">
+              <a:latin typeface="Arial"/>
+            </a:endParaRPr>
+          </a:p>
+        </p:txBody>
+      </p:sp>
+      <p:pic>
+        <p:nvPicPr>
+          <p:cNvPr id="3" name="Picture 2" descr="image.png"/>
+          <p:cNvPicPr>
+            <a:picLocks noChangeAspect="1"/>
+          </p:cNvPicPr>
+          <p:nvPr/>
+        </p:nvPicPr>
+        <p:blipFill>
+          <a:blip r:embed="rId2"/>
+          <a:stretch>
+            <a:fillRect/>
+          </a:stretch>
+        </p:blipFill>
+        <p:spPr>
+          <a:xfrm>
+            <a:off x="265160" y="566928"/>
+            <a:ext cx="11661680" cy="5669280"/>
+          </a:xfrm>
+          <a:prstGeom prst="rect">
+            <a:avLst/>
+          </a:prstGeom>
+        </p:spPr>
+      </p:pic>
+    </p:spTree>
+  </p:cSld>
+  <p:clrMapOvr>
+    <a:masterClrMapping/>
+  </p:clrMapOvr>
+</p:sld>
+</file>
+
+<file path=ppt/slides/slide27.xml><?xml version="1.0" encoding="utf-8"?>
+<p:sld xmlns:a="http://schemas.openxmlformats.org/drawingml/2006/main" xmlns:p="http://schemas.openxmlformats.org/presentationml/2006/main" xmlns:r="http://schemas.openxmlformats.org/officeDocument/2006/relationships">
+  <p:cSld>
+    <p:spTree>
+      <p:nvGrpSpPr>
+        <p:cNvPr id="1" name=""/>
+        <p:cNvGrpSpPr/>
+        <p:nvPr/>
+      </p:nvGrpSpPr>
+      <p:grpSpPr/>
+      <p:sp>
+        <p:nvSpPr>
+          <p:cNvPr id="2" name="Title 1"/>
+          <p:cNvSpPr>
+            <a:spLocks noGrp="1"/>
+          </p:cNvSpPr>
+          <p:nvPr>
+            <p:ph type="title"/>
+          </p:nvPr>
+        </p:nvSpPr>
+        <p:spPr/>
+        <p:txBody>
+          <a:bodyPr wrap="square">
+            <a:noAutofit/>
+          </a:bodyPr>
+          <a:lstStyle/>
+          <a:p>
+            <a:r>
+              <a:rPr sz="3200" b="1" i="0">
+                <a:latin typeface="Arial"/>
+              </a:rPr>
+              <a:t>Smith kaart van de achtste oplossing</a:t>
+            </a:r>
+            <a:endParaRPr sz="3200" b="1" i="0">
+              <a:latin typeface="Arial"/>
+            </a:endParaRPr>
+          </a:p>
+        </p:txBody>
+      </p:sp>
+      <p:pic>
+        <p:nvPicPr>
+          <p:cNvPr id="3" name="Picture 2" descr="image.png"/>
+          <p:cNvPicPr>
+            <a:picLocks noChangeAspect="1"/>
+          </p:cNvPicPr>
+          <p:nvPr/>
+        </p:nvPicPr>
+        <p:blipFill>
+          <a:blip r:embed="rId2"/>
+          <a:stretch>
+            <a:fillRect/>
+          </a:stretch>
+        </p:blipFill>
+        <p:spPr>
+          <a:xfrm>
+            <a:off x="3261360" y="566928"/>
+            <a:ext cx="5669280" cy="5669280"/>
+          </a:xfrm>
+          <a:prstGeom prst="rect">
+            <a:avLst/>
+          </a:prstGeom>
+        </p:spPr>
+      </p:pic>
+    </p:spTree>
+  </p:cSld>
+  <p:clrMapOvr>
+    <a:masterClrMapping/>
+  </p:clrMapOvr>
+</p:sld>
+</file>
+
+<file path=ppt/slides/slide28.xml><?xml version="1.0" encoding="utf-8"?>
+<p:sld xmlns:a="http://schemas.openxmlformats.org/drawingml/2006/main" xmlns:p="http://schemas.openxmlformats.org/presentationml/2006/main" xmlns:r="http://schemas.openxmlformats.org/officeDocument/2006/relationships">
+  <p:cSld>
+    <p:spTree>
+      <p:nvGrpSpPr>
+        <p:cNvPr id="1" name=""/>
+        <p:cNvGrpSpPr/>
+        <p:nvPr/>
+      </p:nvGrpSpPr>
+      <p:grpSpPr/>
+      <p:sp>
+        <p:nvSpPr>
+          <p:cNvPr id="2" name="Content Placeholder 1"/>
+          <p:cNvSpPr>
+            <a:spLocks noGrp="1"/>
+          </p:cNvSpPr>
+          <p:nvPr>
+            <p:ph idx="1"/>
+          </p:nvPr>
+        </p:nvSpPr>
+        <p:spPr/>
+        <p:txBody>
+          <a:bodyPr wrap="square">
+            <a:noAutofit/>
+          </a:bodyPr>
+          <a:lstStyle/>
+          <a:p>
+            <a:pPr>
+              <a:lnSpc>
+                <a:spcPts val="2400"/>
+              </a:lnSpc>
+              <a:defRPr>
+                <a:solidFill>
+                  <a:srgbClr val="000000"/>
+                </a:solidFill>
+              </a:defRPr>
+            </a:pPr>
+            <a:r>
+              <a:rPr sz="2400" b="0" i="0">
+                <a:latin typeface="Courier"/>
+              </a:rPr>
+              <a:t>hoek    admitantie (Siemens)     lengte coax (cm)</a:t>
+            </a:r>
+            <a:endParaRPr sz="2400" b="0" i="0">
+              <a:latin typeface="Courier"/>
+            </a:endParaRPr>
+          </a:p>
+          <a:p>
+            <a:pPr>
+              <a:lnSpc>
+                <a:spcPts val="2400"/>
+              </a:lnSpc>
+              <a:defRPr>
+                <a:solidFill>
+                  <a:srgbClr val="000000"/>
+                </a:solidFill>
+              </a:defRPr>
+            </a:pPr>
+            <a:r>
+              <a:rPr sz="2400" b="0" i="0">
+                <a:latin typeface="Courier"/>
+              </a:rPr>
+              <a:t> 118    Y= 19.22+22.62j mS     lengte=4.10 cm</a:t>
+            </a:r>
+            <a:endParaRPr sz="2400" b="0" i="0">
+              <a:latin typeface="Courier"/>
+            </a:endParaRPr>
+          </a:p>
+          <a:p>
+            <a:pPr>
+              <a:lnSpc>
+                <a:spcPts val="2400"/>
+              </a:lnSpc>
+              <a:defRPr>
+                <a:solidFill>
+                  <a:srgbClr val="000000"/>
+                </a:solidFill>
+              </a:defRPr>
+            </a:pPr>
+            <a:r>
+              <a:rPr sz="2400" b="0" i="0">
+                <a:latin typeface="Courier"/>
+              </a:rPr>
+              <a:t> 119    Y= 19.60+22.86j mS     lengte=4.13 cm</a:t>
+            </a:r>
+            <a:endParaRPr sz="2400" b="0" i="0">
+              <a:latin typeface="Courier"/>
+            </a:endParaRPr>
+          </a:p>
+          <a:p>
+            <a:pPr>
+              <a:lnSpc>
+                <a:spcPts val="2400"/>
+              </a:lnSpc>
+              <a:defRPr>
+                <a:solidFill>
+                  <a:srgbClr val="000000"/>
+                </a:solidFill>
+              </a:defRPr>
+            </a:pPr>
+            <a:r>
+              <a:rPr sz="2400" b="0" i="0">
+                <a:latin typeface="Courier"/>
+              </a:rPr>
+              <a:t> 120    Y= 20.00+23.09j mS     lengte=4.17 cm</a:t>
+            </a:r>
+            <a:endParaRPr sz="2400" b="0" i="0">
+              <a:latin typeface="Courier"/>
+            </a:endParaRPr>
+          </a:p>
+          <a:p>
+            <a:pPr>
+              <a:lnSpc>
+                <a:spcPts val="2400"/>
+              </a:lnSpc>
+              <a:defRPr>
+                <a:solidFill>
+                  <a:srgbClr val="000000"/>
+                </a:solidFill>
+              </a:defRPr>
+            </a:pPr>
+            <a:r>
+              <a:rPr sz="2400" b="0" i="0">
+                <a:latin typeface="Courier"/>
+              </a:rPr>
+              <a:t> 121    Y= 20.41+23.33j mS     lengte=4.20 cm</a:t>
+            </a:r>
+            <a:endParaRPr sz="2400" b="0" i="0">
+              <a:latin typeface="Courier"/>
+            </a:endParaRPr>
+          </a:p>
+          <a:p>
+            <a:pPr>
+              <a:lnSpc>
+                <a:spcPts val="2400"/>
+              </a:lnSpc>
+              <a:defRPr>
+                <a:solidFill>
+                  <a:srgbClr val="000000"/>
+                </a:solidFill>
+              </a:defRPr>
+            </a:pPr>
+            <a:endParaRPr sz="2400" b="0" i="0">
+              <a:latin typeface="Courier"/>
+            </a:endParaRPr>
+          </a:p>
+        </p:txBody>
+      </p:sp>
+      <p:sp>
+        <p:nvSpPr>
+          <p:cNvPr id="3" name="Title 2"/>
+          <p:cNvSpPr>
+            <a:spLocks noGrp="1"/>
+          </p:cNvSpPr>
+          <p:nvPr>
+            <p:ph type="title"/>
+          </p:nvPr>
+        </p:nvSpPr>
+        <p:spPr/>
+        <p:txBody>
+          <a:bodyPr/>
+          <a:lstStyle/>
+          <a:p/>
+        </p:txBody>
+      </p:sp>
+    </p:spTree>
+  </p:cSld>
+  <p:clrMapOvr>
+    <a:masterClrMapping/>
+  </p:clrMapOvr>
+</p:sld>
+</file>
+
+<file path=ppt/slides/slide29.xml><?xml version="1.0" encoding="utf-8"?>
+<p:sld xmlns:a="http://schemas.openxmlformats.org/drawingml/2006/main" xmlns:p="http://schemas.openxmlformats.org/presentationml/2006/main" xmlns:r="http://schemas.openxmlformats.org/officeDocument/2006/relationships">
+  <p:cSld>
+    <p:spTree>
+      <p:nvGrpSpPr>
+        <p:cNvPr id="1" name=""/>
+        <p:cNvGrpSpPr/>
+        <p:nvPr/>
+      </p:nvGrpSpPr>
+      <p:grpSpPr/>
+      <p:sp>
+        <p:nvSpPr>
+          <p:cNvPr id="2" name="Content Placeholder 1"/>
+          <p:cNvSpPr>
+            <a:spLocks noGrp="1"/>
+          </p:cNvSpPr>
+          <p:nvPr>
+            <p:ph idx="1"/>
+          </p:nvPr>
+        </p:nvSpPr>
+        <p:spPr/>
+        <p:txBody>
+          <a:bodyPr wrap="square">
+            <a:noAutofit/>
+          </a:bodyPr>
+          <a:lstStyle/>
+          <a:p>
+            <a:pPr>
+              <a:lnSpc>
+                <a:spcPts val="2400"/>
+              </a:lnSpc>
+              <a:defRPr>
+                <a:solidFill>
+                  <a:srgbClr val="000000"/>
+                </a:solidFill>
+              </a:defRPr>
+            </a:pPr>
+            <a:r>
+              <a:rPr sz="2400" b="0" i="0">
+                <a:latin typeface="Courier"/>
+              </a:rPr>
+              <a:t>hoek    admitantie (Siemens)     lengte coax (cm)</a:t>
+            </a:r>
+            <a:endParaRPr sz="2400" b="0" i="0">
+              <a:latin typeface="Courier"/>
+            </a:endParaRPr>
+          </a:p>
+          <a:p>
+            <a:pPr>
+              <a:lnSpc>
+                <a:spcPts val="2400"/>
+              </a:lnSpc>
+              <a:defRPr>
+                <a:solidFill>
+                  <a:srgbClr val="000000"/>
+                </a:solidFill>
+              </a:defRPr>
+            </a:pPr>
+            <a:r>
+              <a:rPr sz="2400" b="0" i="0">
+                <a:latin typeface="Courier"/>
+              </a:rPr>
+              <a:t>  80       Y= -23.84j mS     lengte=2.78 cm</a:t>
+            </a:r>
+            <a:endParaRPr sz="2400" b="0" i="0">
+              <a:latin typeface="Courier"/>
+            </a:endParaRPr>
+          </a:p>
+          <a:p>
+            <a:pPr>
+              <a:lnSpc>
+                <a:spcPts val="2400"/>
+              </a:lnSpc>
+              <a:defRPr>
+                <a:solidFill>
+                  <a:srgbClr val="000000"/>
+                </a:solidFill>
+              </a:defRPr>
+            </a:pPr>
+            <a:r>
+              <a:rPr sz="2400" b="0" i="0">
+                <a:latin typeface="Courier"/>
+              </a:rPr>
+              <a:t>  81       Y= -23.42j mS     lengte=2.81 cm</a:t>
+            </a:r>
+            <a:endParaRPr sz="2400" b="0" i="0">
+              <a:latin typeface="Courier"/>
+            </a:endParaRPr>
+          </a:p>
+          <a:p>
+            <a:pPr>
+              <a:lnSpc>
+                <a:spcPts val="2400"/>
+              </a:lnSpc>
+              <a:defRPr>
+                <a:solidFill>
+                  <a:srgbClr val="000000"/>
+                </a:solidFill>
+              </a:defRPr>
+            </a:pPr>
+            <a:r>
+              <a:rPr sz="2400" b="0" i="0">
+                <a:latin typeface="Courier"/>
+              </a:rPr>
+              <a:t>  82       Y= -23.01j mS     lengte=2.85 cm</a:t>
+            </a:r>
+            <a:endParaRPr sz="2400" b="0" i="0">
+              <a:latin typeface="Courier"/>
+            </a:endParaRPr>
+          </a:p>
+          <a:p>
+            <a:pPr>
+              <a:lnSpc>
+                <a:spcPts val="2400"/>
+              </a:lnSpc>
+              <a:defRPr>
+                <a:solidFill>
+                  <a:srgbClr val="000000"/>
+                </a:solidFill>
+              </a:defRPr>
+            </a:pPr>
+            <a:r>
+              <a:rPr sz="2400" b="0" i="0">
+                <a:latin typeface="Courier"/>
+              </a:rPr>
+              <a:t>  83       Y= -22.61j mS     lengte=2.88 cm</a:t>
+            </a:r>
+            <a:endParaRPr sz="2400" b="0" i="0">
+              <a:latin typeface="Courier"/>
+            </a:endParaRPr>
+          </a:p>
+          <a:p>
+            <a:pPr>
+              <a:lnSpc>
+                <a:spcPts val="2400"/>
+              </a:lnSpc>
+              <a:defRPr>
+                <a:solidFill>
+                  <a:srgbClr val="000000"/>
+                </a:solidFill>
+              </a:defRPr>
+            </a:pPr>
+            <a:r>
+              <a:rPr sz="2400" b="0" i="0">
+                <a:latin typeface="Courier"/>
+              </a:rPr>
+              <a:t>  84       Y= -22.21j mS     lengte=2.92 cm</a:t>
+            </a:r>
+            <a:endParaRPr sz="2400" b="0" i="0">
+              <a:latin typeface="Courier"/>
+            </a:endParaRPr>
+          </a:p>
+          <a:p>
+            <a:pPr>
+              <a:lnSpc>
+                <a:spcPts val="2400"/>
+              </a:lnSpc>
+              <a:defRPr>
+                <a:solidFill>
+                  <a:srgbClr val="000000"/>
+                </a:solidFill>
+              </a:defRPr>
+            </a:pPr>
+            <a:endParaRPr sz="2400" b="0" i="0">
+              <a:latin typeface="Courier"/>
+            </a:endParaRPr>
+          </a:p>
+        </p:txBody>
+      </p:sp>
+      <p:sp>
+        <p:nvSpPr>
+          <p:cNvPr id="3" name="Title 2"/>
+          <p:cNvSpPr>
+            <a:spLocks noGrp="1"/>
+          </p:cNvSpPr>
+          <p:nvPr>
+            <p:ph type="title"/>
+          </p:nvPr>
+        </p:nvSpPr>
+        <p:spPr/>
+        <p:txBody>
+          <a:bodyPr/>
+          <a:lstStyle/>
+          <a:p/>
+        </p:txBody>
+      </p:sp>
     </p:spTree>
   </p:cSld>
   <p:clrMapOvr>
@@ -6488,14 +8457,121 @@
         </p:blipFill>
         <p:spPr>
           <a:xfrm>
-            <a:off x="3307080" y="566928"/>
-            <a:ext cx="5577840" cy="5577840"/>
+            <a:off x="3261360" y="566928"/>
+            <a:ext cx="5669280" cy="5669280"/>
           </a:xfrm>
           <a:prstGeom prst="rect">
             <a:avLst/>
           </a:prstGeom>
         </p:spPr>
       </p:pic>
+    </p:spTree>
+  </p:cSld>
+  <p:clrMapOvr>
+    <a:masterClrMapping/>
+  </p:clrMapOvr>
+</p:sld>
+</file>
+
+<file path=ppt/slides/slide30.xml><?xml version="1.0" encoding="utf-8"?>
+<p:sld xmlns:a="http://schemas.openxmlformats.org/drawingml/2006/main" xmlns:p="http://schemas.openxmlformats.org/presentationml/2006/main" xmlns:r="http://schemas.openxmlformats.org/officeDocument/2006/relationships">
+  <p:cSld>
+    <p:spTree>
+      <p:nvGrpSpPr>
+        <p:cNvPr id="1" name=""/>
+        <p:cNvGrpSpPr/>
+        <p:nvPr/>
+      </p:nvGrpSpPr>
+      <p:grpSpPr/>
+      <p:sp>
+        <p:nvSpPr>
+          <p:cNvPr id="2" name="Title 1"/>
+          <p:cNvSpPr>
+            <a:spLocks noGrp="1"/>
+          </p:cNvSpPr>
+          <p:nvPr>
+            <p:ph type="title"/>
+          </p:nvPr>
+        </p:nvSpPr>
+        <p:spPr/>
+        <p:txBody>
+          <a:bodyPr wrap="square">
+            <a:noAutofit/>
+          </a:bodyPr>
+          <a:lstStyle/>
+          <a:p>
+            <a:r>
+              <a:rPr sz="3200" b="1" i="0">
+                <a:latin typeface="Arial"/>
+              </a:rPr>
+              <a:t>Circuit van de achtste oplossing</a:t>
+            </a:r>
+            <a:endParaRPr sz="3200" b="1" i="0">
+              <a:latin typeface="Arial"/>
+            </a:endParaRPr>
+          </a:p>
+        </p:txBody>
+      </p:sp>
+      <p:pic>
+        <p:nvPicPr>
+          <p:cNvPr id="3" name="Picture 2" descr="image.png"/>
+          <p:cNvPicPr>
+            <a:picLocks noChangeAspect="1"/>
+          </p:cNvPicPr>
+          <p:nvPr/>
+        </p:nvPicPr>
+        <p:blipFill>
+          <a:blip r:embed="rId2"/>
+          <a:stretch>
+            <a:fillRect/>
+          </a:stretch>
+        </p:blipFill>
+        <p:spPr>
+          <a:xfrm>
+            <a:off x="265160" y="566928"/>
+            <a:ext cx="11661680" cy="5669280"/>
+          </a:xfrm>
+          <a:prstGeom prst="rect">
+            <a:avLst/>
+          </a:prstGeom>
+        </p:spPr>
+      </p:pic>
+    </p:spTree>
+  </p:cSld>
+  <p:clrMapOvr>
+    <a:masterClrMapping/>
+  </p:clrMapOvr>
+</p:sld>
+</file>
+
+<file path=ppt/slides/slide31.xml><?xml version="1.0" encoding="utf-8"?>
+<p:sld xmlns:a="http://schemas.openxmlformats.org/drawingml/2006/main" xmlns:p="http://schemas.openxmlformats.org/presentationml/2006/main" xmlns:r="http://schemas.openxmlformats.org/officeDocument/2006/relationships">
+  <p:cSld>
+    <p:spTree>
+      <p:nvGrpSpPr>
+        <p:cNvPr id="1" name=""/>
+        <p:cNvGrpSpPr/>
+        <p:nvPr/>
+      </p:nvGrpSpPr>
+      <p:grpSpPr/>
+    </p:spTree>
+  </p:cSld>
+  <p:clrMapOvr>
+    <a:masterClrMapping/>
+  </p:clrMapOvr>
+</p:sld>
+</file>
+
+<file path=ppt/slides/slide32.xml><?xml version="1.0" encoding="utf-8"?>
+<p:sld xmlns:a="http://schemas.openxmlformats.org/drawingml/2006/main" xmlns:p="http://schemas.openxmlformats.org/presentationml/2006/main" xmlns:r="http://schemas.openxmlformats.org/officeDocument/2006/relationships">
+  <p:cSld>
+    <p:spTree>
+      <p:nvGrpSpPr>
+        <p:cNvPr id="1" name=""/>
+        <p:cNvGrpSpPr/>
+        <p:nvPr/>
+      </p:nvGrpSpPr>
+      <p:grpSpPr/>
     </p:spTree>
   </p:cSld>
   <p:clrMapOvr>
@@ -6516,12 +8592,12 @@
       <p:grpSpPr/>
       <p:sp>
         <p:nvSpPr>
-          <p:cNvPr id="2" name="Title 1"/>
-          <p:cNvSpPr>
-            <a:spLocks noGrp="1"/>
-          </p:cNvSpPr>
-          <p:nvPr>
-            <p:ph type="title"/>
+          <p:cNvPr id="2" name="Content Placeholder 1"/>
+          <p:cNvSpPr>
+            <a:spLocks noGrp="1"/>
+          </p:cNvSpPr>
+          <p:nvPr>
+            <p:ph idx="1"/>
           </p:nvPr>
         </p:nvSpPr>
         <p:spPr/>
@@ -6531,42 +8607,186 @@
           </a:bodyPr>
           <a:lstStyle/>
           <a:p>
-            <a:r>
-              <a:rPr sz="3200" b="1" i="0">
-                <a:latin typeface="Arial"/>
+            <a:pPr>
+              <a:lnSpc>
+                <a:spcPts val="2400"/>
+              </a:lnSpc>
+              <a:defRPr>
+                <a:solidFill>
+                  <a:srgbClr val="000000"/>
+                </a:solidFill>
+              </a:defRPr>
+            </a:pPr>
+            <a:r>
+              <a:rPr sz="2400" b="0" i="0">
+                <a:latin typeface="Courier"/>
               </a:rPr>
-              <a:t>Circuit van de eerste oplossing</a:t>
-            </a:r>
-            <a:endParaRPr sz="3200" b="1" i="0">
-              <a:latin typeface="Arial"/>
+              <a:t>hoek    impedantie (Ohm)     lengte coax (cm)</a:t>
+            </a:r>
+            <a:endParaRPr sz="2400" b="0" i="0">
+              <a:latin typeface="Courier"/>
             </a:endParaRPr>
           </a:p>
-        </p:txBody>
-      </p:sp>
-      <p:pic>
-        <p:nvPicPr>
-          <p:cNvPr id="3" name="Picture 2" descr="image.png"/>
-          <p:cNvPicPr>
-            <a:picLocks noChangeAspect="1"/>
-          </p:cNvPicPr>
-          <p:nvPr/>
-        </p:nvPicPr>
-        <p:blipFill>
-          <a:blip r:embed="rId2"/>
-          <a:stretch>
-            <a:fillRect/>
-          </a:stretch>
-        </p:blipFill>
-        <p:spPr>
-          <a:xfrm>
-            <a:off x="0" y="566928"/>
-            <a:ext cx="12192000" cy="5577840"/>
-          </a:xfrm>
-          <a:prstGeom prst="rect">
-            <a:avLst/>
-          </a:prstGeom>
-        </p:spPr>
-      </p:pic>
+          <a:p>
+            <a:pPr>
+              <a:lnSpc>
+                <a:spcPts val="2400"/>
+              </a:lnSpc>
+              <a:defRPr>
+                <a:solidFill>
+                  <a:srgbClr val="000000"/>
+                </a:solidFill>
+              </a:defRPr>
+            </a:pPr>
+            <a:r>
+              <a:rPr sz="2400" b="0" i="0">
+                <a:latin typeface="Courier"/>
+              </a:rPr>
+              <a:t> 297  Z= 47.11+55.97j Ohm     lengte=10.31 cm</a:t>
+            </a:r>
+            <a:endParaRPr sz="2400" b="0" i="0">
+              <a:latin typeface="Courier"/>
+            </a:endParaRPr>
+          </a:p>
+          <a:p>
+            <a:pPr>
+              <a:lnSpc>
+                <a:spcPts val="2400"/>
+              </a:lnSpc>
+              <a:defRPr>
+                <a:solidFill>
+                  <a:srgbClr val="000000"/>
+                </a:solidFill>
+              </a:defRPr>
+            </a:pPr>
+            <a:r>
+              <a:rPr sz="2400" b="0" i="0">
+                <a:latin typeface="Courier"/>
+              </a:rPr>
+              <a:t> 298  Z= 48.04+56.56j Ohm     lengte=10.35 cm</a:t>
+            </a:r>
+            <a:endParaRPr sz="2400" b="0" i="0">
+              <a:latin typeface="Courier"/>
+            </a:endParaRPr>
+          </a:p>
+          <a:p>
+            <a:pPr>
+              <a:lnSpc>
+                <a:spcPts val="2400"/>
+              </a:lnSpc>
+              <a:defRPr>
+                <a:solidFill>
+                  <a:srgbClr val="000000"/>
+                </a:solidFill>
+              </a:defRPr>
+            </a:pPr>
+            <a:r>
+              <a:rPr sz="2400" b="0" i="0">
+                <a:latin typeface="Courier"/>
+              </a:rPr>
+              <a:t> 299  Z= 49.01+57.15j Ohm     lengte=10.38 cm</a:t>
+            </a:r>
+            <a:endParaRPr sz="2400" b="0" i="0">
+              <a:latin typeface="Courier"/>
+            </a:endParaRPr>
+          </a:p>
+          <a:p>
+            <a:pPr>
+              <a:lnSpc>
+                <a:spcPts val="2400"/>
+              </a:lnSpc>
+              <a:defRPr>
+                <a:solidFill>
+                  <a:srgbClr val="000000"/>
+                </a:solidFill>
+              </a:defRPr>
+            </a:pPr>
+            <a:r>
+              <a:rPr sz="2400" b="0" i="0">
+                <a:latin typeface="Courier"/>
+              </a:rPr>
+              <a:t> 300  Z= 50.00+57.74j Ohm     lengte=10.42 cm</a:t>
+            </a:r>
+            <a:endParaRPr sz="2400" b="0" i="0">
+              <a:latin typeface="Courier"/>
+            </a:endParaRPr>
+          </a:p>
+          <a:p>
+            <a:pPr>
+              <a:lnSpc>
+                <a:spcPts val="2400"/>
+              </a:lnSpc>
+              <a:defRPr>
+                <a:solidFill>
+                  <a:srgbClr val="000000"/>
+                </a:solidFill>
+              </a:defRPr>
+            </a:pPr>
+            <a:r>
+              <a:rPr sz="2400" b="0" i="0">
+                <a:latin typeface="Courier"/>
+              </a:rPr>
+              <a:t> 301  Z= 51.02+58.31j Ohm     lengte=10.45 cm</a:t>
+            </a:r>
+            <a:endParaRPr sz="2400" b="0" i="0">
+              <a:latin typeface="Courier"/>
+            </a:endParaRPr>
+          </a:p>
+          <a:p>
+            <a:pPr>
+              <a:lnSpc>
+                <a:spcPts val="2400"/>
+              </a:lnSpc>
+              <a:defRPr>
+                <a:solidFill>
+                  <a:srgbClr val="000000"/>
+                </a:solidFill>
+              </a:defRPr>
+            </a:pPr>
+            <a:r>
+              <a:rPr sz="2400" b="0" i="0">
+                <a:latin typeface="Courier"/>
+              </a:rPr>
+              <a:t> 302  Z= 52.08+58.89j Ohm     lengte=10.49 cm</a:t>
+            </a:r>
+            <a:endParaRPr sz="2400" b="0" i="0">
+              <a:latin typeface="Courier"/>
+            </a:endParaRPr>
+          </a:p>
+          <a:p>
+            <a:pPr>
+              <a:lnSpc>
+                <a:spcPts val="2400"/>
+              </a:lnSpc>
+              <a:defRPr>
+                <a:solidFill>
+                  <a:srgbClr val="000000"/>
+                </a:solidFill>
+              </a:defRPr>
+            </a:pPr>
+            <a:endParaRPr sz="2400" b="0" i="0">
+              <a:latin typeface="Courier"/>
+            </a:endParaRPr>
+          </a:p>
+        </p:txBody>
+      </p:sp>
+      <p:sp>
+        <p:nvSpPr>
+          <p:cNvPr id="3" name="Title 2"/>
+          <p:cNvSpPr>
+            <a:spLocks noGrp="1"/>
+          </p:cNvSpPr>
+          <p:nvPr>
+            <p:ph type="title"/>
+          </p:nvPr>
+        </p:nvSpPr>
+        <p:spPr/>
+        <p:txBody>
+          <a:bodyPr/>
+          <a:lstStyle/>
+          <a:p/>
+        </p:txBody>
+      </p:sp>
     </p:spTree>
   </p:cSld>
   <p:clrMapOvr>
@@ -6587,59 +8807,57 @@
       <p:grpSpPr/>
       <p:sp>
         <p:nvSpPr>
-          <p:cNvPr id="2" name="Content Placeholder 1"/>
-          <p:cNvSpPr>
-            <a:spLocks noGrp="1"/>
-          </p:cNvSpPr>
-          <p:nvPr>
-            <p:ph idx="1"/>
+          <p:cNvPr id="2" name="Title 1"/>
+          <p:cNvSpPr>
+            <a:spLocks noGrp="1"/>
+          </p:cNvSpPr>
+          <p:nvPr>
+            <p:ph type="title"/>
           </p:nvPr>
         </p:nvSpPr>
         <p:spPr/>
         <p:txBody>
-          <a:bodyPr/>
+          <a:bodyPr wrap="square">
+            <a:noAutofit/>
+          </a:bodyPr>
           <a:lstStyle/>
-          <a:p/>
-          <a:p>
-            <a:pPr/>
-            <a:r>
-              <a:t>### Oplossing 2: Bijplaatsen van een inductantie in serie</a:t>
-            </a:r>
-          </a:p>
-          <a:p>
-            <a:pPr/>
-          </a:p>
-          <a:p>
-            <a:pPr/>
-            <a:r>
-              <a:t>We plaatsen </a:t>
-            </a:r>
-            <a:r>
-              <a:t>\frac{Z_L}{Z₀}=3</a:t>
-            </a:r>
-            <a:r>
-              <a:t> op de Smith kaart en we zoeken waar we de r=1 cirkel snijden in het onderste deel van de kaart.</a:t>
-            </a:r>
-          </a:p>
-        </p:txBody>
-      </p:sp>
-      <p:sp>
-        <p:nvSpPr>
-          <p:cNvPr id="3" name="Title 2"/>
-          <p:cNvSpPr>
-            <a:spLocks noGrp="1"/>
-          </p:cNvSpPr>
-          <p:nvPr>
-            <p:ph type="title"/>
-          </p:nvPr>
-        </p:nvSpPr>
-        <p:spPr/>
-        <p:txBody>
-          <a:bodyPr/>
-          <a:lstStyle/>
-          <a:p/>
-        </p:txBody>
-      </p:sp>
+          <a:p>
+            <a:r>
+              <a:rPr sz="3200" b="1" i="0">
+                <a:latin typeface="Arial"/>
+              </a:rPr>
+              <a:t>Circuit van de eerste oplossing</a:t>
+            </a:r>
+            <a:endParaRPr sz="3200" b="1" i="0">
+              <a:latin typeface="Arial"/>
+            </a:endParaRPr>
+          </a:p>
+        </p:txBody>
+      </p:sp>
+      <p:pic>
+        <p:nvPicPr>
+          <p:cNvPr id="3" name="Picture 2" descr="image.png"/>
+          <p:cNvPicPr>
+            <a:picLocks noChangeAspect="1"/>
+          </p:cNvPicPr>
+          <p:nvPr/>
+        </p:nvPicPr>
+        <p:blipFill>
+          <a:blip r:embed="rId2"/>
+          <a:stretch>
+            <a:fillRect/>
+          </a:stretch>
+        </p:blipFill>
+        <p:spPr>
+          <a:xfrm>
+            <a:off x="0" y="566928"/>
+            <a:ext cx="12192000" cy="5669280"/>
+          </a:xfrm>
+          <a:prstGeom prst="rect">
+            <a:avLst/>
+          </a:prstGeom>
+        </p:spPr>
+      </p:pic>
     </p:spTree>
   </p:cSld>
   <p:clrMapOvr>
@@ -6660,7 +8878,24 @@
       <p:grpSpPr/>
       <p:sp>
         <p:nvSpPr>
-          <p:cNvPr id="2" name="Title 1"/>
+          <p:cNvPr id="2" name="Content Placeholder 1"/>
+          <p:cNvSpPr>
+            <a:spLocks noGrp="1"/>
+          </p:cNvSpPr>
+          <p:nvPr>
+            <p:ph idx="1"/>
+          </p:nvPr>
+        </p:nvSpPr>
+        <p:spPr/>
+        <p:txBody>
+          <a:bodyPr/>
+          <a:lstStyle/>
+          <a:p/>
+        </p:txBody>
+      </p:sp>
+      <p:sp>
+        <p:nvSpPr>
+          <p:cNvPr id="3" name="Title 2"/>
           <p:cNvSpPr>
             <a:spLocks noGrp="1"/>
           </p:cNvSpPr>
@@ -6670,47 +8905,56 @@
         </p:nvSpPr>
         <p:spPr/>
         <p:txBody>
-          <a:bodyPr wrap="square">
-            <a:noAutofit/>
+          <a:bodyPr/>
+          <a:lstStyle/>
+          <a:p/>
+        </p:txBody>
+      </p:sp>
+      <p:sp>
+        <p:nvSpPr>
+          <p:cNvPr id="2" name="Content Placeholder 1"/>
+          <p:cNvSpPr>
+            <a:spLocks noGrp="1"/>
+          </p:cNvSpPr>
+          <p:nvPr>
+            <p:ph idx="1"/>
+          </p:nvPr>
+        </p:nvSpPr>
+        <p:spPr>
+          <a:xfrm>
+            <a:off x="914400" y="566928"/>
+            <a:ext cx="10820400" cy="5669280"/>
+          </a:xfrm>
+        </p:spPr>
+        <p:txBody>
+          <a:bodyPr>
+            <a:spAutoFit/>
           </a:bodyPr>
           <a:lstStyle/>
-          <a:p>
-            <a:r>
-              <a:rPr sz="3200" b="1" i="0">
-                <a:latin typeface="Arial"/>
-              </a:rPr>
-              <a:t>Smith kaart van de tweede oplossing</a:t>
-            </a:r>
-            <a:endParaRPr sz="3200" b="1" i="0">
-              <a:latin typeface="Arial"/>
-            </a:endParaRPr>
-          </a:p>
-        </p:txBody>
-      </p:sp>
-      <p:pic>
-        <p:nvPicPr>
-          <p:cNvPr id="3" name="Picture 2" descr="image.png"/>
-          <p:cNvPicPr>
-            <a:picLocks noChangeAspect="1"/>
-          </p:cNvPicPr>
-          <p:nvPr/>
-        </p:nvPicPr>
-        <p:blipFill>
-          <a:blip r:embed="rId2"/>
-          <a:stretch>
-            <a:fillRect/>
-          </a:stretch>
-        </p:blipFill>
-        <p:spPr>
-          <a:xfrm>
-            <a:off x="3307080" y="566928"/>
-            <a:ext cx="5577840" cy="5577840"/>
-          </a:xfrm>
-          <a:prstGeom prst="rect">
-            <a:avLst/>
-          </a:prstGeom>
-        </p:spPr>
-      </p:pic>
+          <a:p/>
+          <a:p>
+            <a:pPr/>
+            <a:r>
+              <a:t>### Oplossing 2: Bijplaatsen van een inductantie in serie</a:t>
+            </a:r>
+          </a:p>
+          <a:p>
+            <a:pPr/>
+          </a:p>
+          <a:p>
+            <a:pPr/>
+            <a:r>
+              <a:t>We plaatsen </a:t>
+            </a:r>
+            <a:r>
+              <a:t>\frac{Z_L}{Z₀}=3</a:t>
+            </a:r>
+            <a:r>
+              <a:t> op de Smith kaart en we zoeken waar we de r=1 cirkel snijden in het onderste deel van de kaart.</a:t>
+            </a:r>
+          </a:p>
+        </p:txBody>
+      </p:sp>
     </p:spTree>
   </p:cSld>
   <p:clrMapOvr>
@@ -6750,7 +8994,7 @@
               <a:rPr sz="3200" b="1" i="0">
                 <a:latin typeface="Arial"/>
               </a:rPr>
-              <a:t>Circuit van de tweede oplossing</a:t>
+              <a:t>Smith kaart van de tweede oplossing</a:t>
             </a:r>
             <a:endParaRPr sz="3200" b="1" i="0">
               <a:latin typeface="Arial"/>
@@ -6774,8 +9018,8 @@
         </p:blipFill>
         <p:spPr>
           <a:xfrm>
-            <a:off x="0" y="566928"/>
-            <a:ext cx="12192000" cy="5577840"/>
+            <a:off x="3261360" y="566928"/>
+            <a:ext cx="5669280" cy="5669280"/>
           </a:xfrm>
           <a:prstGeom prst="rect">
             <a:avLst/>
@@ -6802,12 +9046,12 @@
       <p:grpSpPr/>
       <p:sp>
         <p:nvSpPr>
-          <p:cNvPr id="2" name="Title 1"/>
-          <p:cNvSpPr>
-            <a:spLocks noGrp="1"/>
-          </p:cNvSpPr>
-          <p:nvPr>
-            <p:ph type="title"/>
+          <p:cNvPr id="2" name="Content Placeholder 1"/>
+          <p:cNvSpPr>
+            <a:spLocks noGrp="1"/>
+          </p:cNvSpPr>
+          <p:nvPr>
+            <p:ph idx="1"/>
           </p:nvPr>
         </p:nvSpPr>
         <p:spPr/>
@@ -6817,42 +9061,165 @@
           </a:bodyPr>
           <a:lstStyle/>
           <a:p>
-            <a:r>
-              <a:rPr sz="3200" b="1" i="0">
-                <a:latin typeface="Arial"/>
+            <a:pPr>
+              <a:lnSpc>
+                <a:spcPts val="2400"/>
+              </a:lnSpc>
+              <a:defRPr>
+                <a:solidFill>
+                  <a:srgbClr val="000000"/>
+                </a:solidFill>
+              </a:defRPr>
+            </a:pPr>
+            <a:r>
+              <a:rPr sz="2400" b="0" i="0">
+                <a:latin typeface="Courier"/>
               </a:rPr>
-              <a:t>Smith kaart van de derde oplossing</a:t>
-            </a:r>
-            <a:endParaRPr sz="3200" b="1" i="0">
-              <a:latin typeface="Arial"/>
+              <a:t>hoek    impedantie (Ohm)     lengte coax (cm)</a:t>
+            </a:r>
+            <a:endParaRPr sz="2400" b="0" i="0">
+              <a:latin typeface="Courier"/>
             </a:endParaRPr>
           </a:p>
-        </p:txBody>
-      </p:sp>
-      <p:pic>
-        <p:nvPicPr>
-          <p:cNvPr id="3" name="Picture 2" descr="image.png"/>
-          <p:cNvPicPr>
-            <a:picLocks noChangeAspect="1"/>
-          </p:cNvPicPr>
-          <p:nvPr/>
-        </p:nvPicPr>
-        <p:blipFill>
-          <a:blip r:embed="rId2"/>
-          <a:stretch>
-            <a:fillRect/>
-          </a:stretch>
-        </p:blipFill>
-        <p:spPr>
-          <a:xfrm>
-            <a:off x="3307080" y="566928"/>
-            <a:ext cx="5577840" cy="5577840"/>
-          </a:xfrm>
-          <a:prstGeom prst="rect">
-            <a:avLst/>
-          </a:prstGeom>
-        </p:spPr>
-      </p:pic>
+          <a:p>
+            <a:pPr>
+              <a:lnSpc>
+                <a:spcPts val="2400"/>
+              </a:lnSpc>
+              <a:defRPr>
+                <a:solidFill>
+                  <a:srgbClr val="000000"/>
+                </a:solidFill>
+              </a:defRPr>
+            </a:pPr>
+            <a:r>
+              <a:rPr sz="2400" b="0" i="0">
+                <a:latin typeface="Courier"/>
+              </a:rPr>
+              <a:t>  57  Z= 53.16-59.45j Ohm     lengte=1.98 cm</a:t>
+            </a:r>
+            <a:endParaRPr sz="2400" b="0" i="0">
+              <a:latin typeface="Courier"/>
+            </a:endParaRPr>
+          </a:p>
+          <a:p>
+            <a:pPr>
+              <a:lnSpc>
+                <a:spcPts val="2400"/>
+              </a:lnSpc>
+              <a:defRPr>
+                <a:solidFill>
+                  <a:srgbClr val="000000"/>
+                </a:solidFill>
+              </a:defRPr>
+            </a:pPr>
+            <a:r>
+              <a:rPr sz="2400" b="0" i="0">
+                <a:latin typeface="Courier"/>
+              </a:rPr>
+              <a:t>  58  Z= 52.08-58.89j Ohm     lengte=2.01 cm</a:t>
+            </a:r>
+            <a:endParaRPr sz="2400" b="0" i="0">
+              <a:latin typeface="Courier"/>
+            </a:endParaRPr>
+          </a:p>
+          <a:p>
+            <a:pPr>
+              <a:lnSpc>
+                <a:spcPts val="2400"/>
+              </a:lnSpc>
+              <a:defRPr>
+                <a:solidFill>
+                  <a:srgbClr val="000000"/>
+                </a:solidFill>
+              </a:defRPr>
+            </a:pPr>
+            <a:r>
+              <a:rPr sz="2400" b="0" i="0">
+                <a:latin typeface="Courier"/>
+              </a:rPr>
+              <a:t>  59  Z= 51.02-58.31j Ohm     lengte=2.05 cm</a:t>
+            </a:r>
+            <a:endParaRPr sz="2400" b="0" i="0">
+              <a:latin typeface="Courier"/>
+            </a:endParaRPr>
+          </a:p>
+          <a:p>
+            <a:pPr>
+              <a:lnSpc>
+                <a:spcPts val="2400"/>
+              </a:lnSpc>
+              <a:defRPr>
+                <a:solidFill>
+                  <a:srgbClr val="000000"/>
+                </a:solidFill>
+              </a:defRPr>
+            </a:pPr>
+            <a:r>
+              <a:rPr sz="2400" b="0" i="0">
+                <a:latin typeface="Courier"/>
+              </a:rPr>
+              <a:t>  60  Z= 50.00-57.74j Ohm     lengte=2.08 cm</a:t>
+            </a:r>
+            <a:endParaRPr sz="2400" b="0" i="0">
+              <a:latin typeface="Courier"/>
+            </a:endParaRPr>
+          </a:p>
+          <a:p>
+            <a:pPr>
+              <a:lnSpc>
+                <a:spcPts val="2400"/>
+              </a:lnSpc>
+              <a:defRPr>
+                <a:solidFill>
+                  <a:srgbClr val="000000"/>
+                </a:solidFill>
+              </a:defRPr>
+            </a:pPr>
+            <a:r>
+              <a:rPr sz="2400" b="0" i="0">
+                <a:latin typeface="Courier"/>
+              </a:rPr>
+              <a:t>  61  Z= 49.01-57.15j Ohm     lengte=2.12 cm</a:t>
+            </a:r>
+            <a:endParaRPr sz="2400" b="0" i="0">
+              <a:latin typeface="Courier"/>
+            </a:endParaRPr>
+          </a:p>
+          <a:p>
+            <a:pPr>
+              <a:lnSpc>
+                <a:spcPts val="2400"/>
+              </a:lnSpc>
+              <a:defRPr>
+                <a:solidFill>
+                  <a:srgbClr val="000000"/>
+                </a:solidFill>
+              </a:defRPr>
+            </a:pPr>
+            <a:endParaRPr sz="2400" b="0" i="0">
+              <a:latin typeface="Courier"/>
+            </a:endParaRPr>
+          </a:p>
+        </p:txBody>
+      </p:sp>
+      <p:sp>
+        <p:nvSpPr>
+          <p:cNvPr id="3" name="Title 2"/>
+          <p:cNvSpPr>
+            <a:spLocks noGrp="1"/>
+          </p:cNvSpPr>
+          <p:nvPr>
+            <p:ph type="title"/>
+          </p:nvPr>
+        </p:nvSpPr>
+        <p:spPr/>
+        <p:txBody>
+          <a:bodyPr/>
+          <a:lstStyle/>
+          <a:p/>
+        </p:txBody>
+      </p:sp>
     </p:spTree>
   </p:cSld>
   <p:clrMapOvr>
@@ -6892,7 +9259,7 @@
               <a:rPr sz="3200" b="1" i="0">
                 <a:latin typeface="Arial"/>
               </a:rPr>
-              <a:t>Smith kaart van de derde oplossing als admitantie</a:t>
+              <a:t>Circuit van de tweede oplossing</a:t>
             </a:r>
             <a:endParaRPr sz="3200" b="1" i="0">
               <a:latin typeface="Arial"/>
@@ -6916,8 +9283,8 @@
         </p:blipFill>
         <p:spPr>
           <a:xfrm>
-            <a:off x="3307080" y="566928"/>
-            <a:ext cx="5577840" cy="5577840"/>
+            <a:off x="0" y="566928"/>
+            <a:ext cx="12192000" cy="5669280"/>
           </a:xfrm>
           <a:prstGeom prst="rect">
             <a:avLst/>

--- a/ToegepasteAnalogeElektronica/PowerPoint/SmithKaartOefening4.pptx
+++ b/ToegepasteAnalogeElektronica/PowerPoint/SmithKaartOefening4.pptx
@@ -6915,45 +6915,6 @@
         </p:nvSpPr>
         <p:spPr/>
         <p:txBody>
-          <a:bodyPr/>
-          <a:lstStyle/>
-          <a:p/>
-        </p:txBody>
-      </p:sp>
-      <p:sp>
-        <p:nvSpPr>
-          <p:cNvPr id="3" name="Title 2"/>
-          <p:cNvSpPr>
-            <a:spLocks noGrp="1"/>
-          </p:cNvSpPr>
-          <p:nvPr>
-            <p:ph type="title"/>
-          </p:nvPr>
-        </p:nvSpPr>
-        <p:spPr/>
-        <p:txBody>
-          <a:bodyPr/>
-          <a:lstStyle/>
-          <a:p/>
-        </p:txBody>
-      </p:sp>
-      <p:sp>
-        <p:nvSpPr>
-          <p:cNvPr id="2" name="Content Placeholder 1"/>
-          <p:cNvSpPr>
-            <a:spLocks noGrp="1"/>
-          </p:cNvSpPr>
-          <p:nvPr>
-            <p:ph idx="1"/>
-          </p:nvPr>
-        </p:nvSpPr>
-        <p:spPr>
-          <a:xfrm>
-            <a:off x="914400" y="566928"/>
-            <a:ext cx="10820400" cy="5669280"/>
-          </a:xfrm>
-        </p:spPr>
-        <p:txBody>
           <a:bodyPr>
             <a:spAutoFit/>
           </a:bodyPr>
@@ -6986,6 +6947,23 @@
               <a:t>=4)? Welke verschillende oplossingen zijn er mogelijk?</a:t>
             </a:r>
           </a:p>
+        </p:txBody>
+      </p:sp>
+      <p:sp>
+        <p:nvSpPr>
+          <p:cNvPr id="3" name="Title 2"/>
+          <p:cNvSpPr>
+            <a:spLocks noGrp="1"/>
+          </p:cNvSpPr>
+          <p:nvPr>
+            <p:ph type="title"/>
+          </p:nvPr>
+        </p:nvSpPr>
+        <p:spPr/>
+        <p:txBody>
+          <a:bodyPr/>
+          <a:lstStyle/>
+          <a:p/>
         </p:txBody>
       </p:sp>
     </p:spTree>
@@ -8888,45 +8866,6 @@
         </p:nvSpPr>
         <p:spPr/>
         <p:txBody>
-          <a:bodyPr/>
-          <a:lstStyle/>
-          <a:p/>
-        </p:txBody>
-      </p:sp>
-      <p:sp>
-        <p:nvSpPr>
-          <p:cNvPr id="3" name="Title 2"/>
-          <p:cNvSpPr>
-            <a:spLocks noGrp="1"/>
-          </p:cNvSpPr>
-          <p:nvPr>
-            <p:ph type="title"/>
-          </p:nvPr>
-        </p:nvSpPr>
-        <p:spPr/>
-        <p:txBody>
-          <a:bodyPr/>
-          <a:lstStyle/>
-          <a:p/>
-        </p:txBody>
-      </p:sp>
-      <p:sp>
-        <p:nvSpPr>
-          <p:cNvPr id="2" name="Content Placeholder 1"/>
-          <p:cNvSpPr>
-            <a:spLocks noGrp="1"/>
-          </p:cNvSpPr>
-          <p:nvPr>
-            <p:ph idx="1"/>
-          </p:nvPr>
-        </p:nvSpPr>
-        <p:spPr>
-          <a:xfrm>
-            <a:off x="914400" y="566928"/>
-            <a:ext cx="10820400" cy="5669280"/>
-          </a:xfrm>
-        </p:spPr>
-        <p:txBody>
           <a:bodyPr>
             <a:spAutoFit/>
           </a:bodyPr>
@@ -8953,6 +8892,23 @@
               <a:t> op de Smith kaart en we zoeken waar we de r=1 cirkel snijden in het onderste deel van de kaart.</a:t>
             </a:r>
           </a:p>
+        </p:txBody>
+      </p:sp>
+      <p:sp>
+        <p:nvSpPr>
+          <p:cNvPr id="3" name="Title 2"/>
+          <p:cNvSpPr>
+            <a:spLocks noGrp="1"/>
+          </p:cNvSpPr>
+          <p:nvPr>
+            <p:ph type="title"/>
+          </p:nvPr>
+        </p:nvSpPr>
+        <p:spPr/>
+        <p:txBody>
+          <a:bodyPr/>
+          <a:lstStyle/>
+          <a:p/>
         </p:txBody>
       </p:sp>
     </p:spTree>
